--- a/Intuit Presentation.pptx
+++ b/Intuit Presentation.pptx
@@ -12,6 +12,8 @@
     <p:sldId id="260" r:id="rId6"/>
     <p:sldId id="261" r:id="rId7"/>
     <p:sldId id="262" r:id="rId8"/>
+    <p:sldId id="263" r:id="rId9"/>
+    <p:sldId id="264" r:id="rId10"/>
   </p:sldIdLst>
   <p:sldSz cx="12192000" cy="6858000"/>
   <p:notesSz cx="6858000" cy="9144000"/>
@@ -121,1063 +123,11 @@
 <file path=ppt/revisionInfo.xml><?xml version="1.0" encoding="utf-8"?>
 <p1510:revInfo xmlns:a="http://schemas.openxmlformats.org/drawingml/2006/main" xmlns:r="http://schemas.openxmlformats.org/officeDocument/2006/relationships" xmlns:p1510="http://schemas.microsoft.com/office/powerpoint/2015/10/main">
   <p1510:revLst>
+    <p1510:client id="{A46EAC0F-4E5A-4067-AD4A-200A0625C5A2}" v="1249" dt="2020-07-07T07:02:53.162"/>
     <p1510:client id="{AB4CC12C-A03B-4DA1-9BD7-BB1526B41236}" v="1827" dt="2020-07-02T10:23:41.335"/>
     <p1510:client id="{CCBB7A46-938D-43EF-A70F-C44B931AFE25}" v="388" dt="2020-07-02T07:52:01.430"/>
   </p1510:revLst>
 </p1510:revInfo>
-</file>
-
-<file path=ppt/changesInfos/changesInfo1.xml><?xml version="1.0" encoding="utf-8"?>
-<pc:chgInfo xmlns:a="http://schemas.openxmlformats.org/drawingml/2006/main" xmlns:r="http://schemas.openxmlformats.org/officeDocument/2006/relationships" xmlns:ac="http://schemas.microsoft.com/office/drawing/2013/main/command" xmlns:pc="http://schemas.microsoft.com/office/powerpoint/2013/main/command">
-  <pc:docChgLst>
-    <pc:chgData name="Harinarayanan N R" userId="1339fbf232a560c1" providerId="Windows Live" clId="Web-{AB4CC12C-A03B-4DA1-9BD7-BB1526B41236}"/>
-    <pc:docChg chg="addSld modSld">
-      <pc:chgData name="Harinarayanan N R" userId="1339fbf232a560c1" providerId="Windows Live" clId="Web-{AB4CC12C-A03B-4DA1-9BD7-BB1526B41236}" dt="2020-07-02T10:23:41.335" v="1813" actId="20577"/>
-      <pc:docMkLst>
-        <pc:docMk/>
-      </pc:docMkLst>
-      <pc:sldChg chg="addSp delSp modSp">
-        <pc:chgData name="Harinarayanan N R" userId="1339fbf232a560c1" providerId="Windows Live" clId="Web-{AB4CC12C-A03B-4DA1-9BD7-BB1526B41236}" dt="2020-07-02T09:26:46.033" v="180" actId="1076"/>
-        <pc:sldMkLst>
-          <pc:docMk/>
-          <pc:sldMk cId="2211369079" sldId="258"/>
-        </pc:sldMkLst>
-        <pc:spChg chg="add del mod ord">
-          <ac:chgData name="Harinarayanan N R" userId="1339fbf232a560c1" providerId="Windows Live" clId="Web-{AB4CC12C-A03B-4DA1-9BD7-BB1526B41236}" dt="2020-07-02T08:59:33.409" v="59"/>
-          <ac:spMkLst>
-            <pc:docMk/>
-            <pc:sldMk cId="2211369079" sldId="258"/>
-            <ac:spMk id="4" creationId="{C97DBCA1-7198-4494-830D-6CDE7CA6BD63}"/>
-          </ac:spMkLst>
-        </pc:spChg>
-        <pc:spChg chg="add del">
-          <ac:chgData name="Harinarayanan N R" userId="1339fbf232a560c1" providerId="Windows Live" clId="Web-{AB4CC12C-A03B-4DA1-9BD7-BB1526B41236}" dt="2020-07-02T08:59:26.049" v="54"/>
-          <ac:spMkLst>
-            <pc:docMk/>
-            <pc:sldMk cId="2211369079" sldId="258"/>
-            <ac:spMk id="21" creationId="{F89EDF94-4BE8-4061-963F-858E9D999BF4}"/>
-          </ac:spMkLst>
-        </pc:spChg>
-        <pc:spChg chg="add mod">
-          <ac:chgData name="Harinarayanan N R" userId="1339fbf232a560c1" providerId="Windows Live" clId="Web-{AB4CC12C-A03B-4DA1-9BD7-BB1526B41236}" dt="2020-07-02T09:26:46.033" v="180" actId="1076"/>
-          <ac:spMkLst>
-            <pc:docMk/>
-            <pc:sldMk cId="2211369079" sldId="258"/>
-            <ac:spMk id="36" creationId="{39CA9C93-97F8-4C59-8CF5-9F78781097B1}"/>
-          </ac:spMkLst>
-        </pc:spChg>
-        <pc:spChg chg="add mod">
-          <ac:chgData name="Harinarayanan N R" userId="1339fbf232a560c1" providerId="Windows Live" clId="Web-{AB4CC12C-A03B-4DA1-9BD7-BB1526B41236}" dt="2020-07-02T09:24:00.647" v="160" actId="1076"/>
-          <ac:spMkLst>
-            <pc:docMk/>
-            <pc:sldMk cId="2211369079" sldId="258"/>
-            <ac:spMk id="42" creationId="{0B6A33AD-9F13-4151-9194-354C96C0AEB2}"/>
-          </ac:spMkLst>
-        </pc:spChg>
-        <pc:picChg chg="add del mod">
-          <ac:chgData name="Harinarayanan N R" userId="1339fbf232a560c1" providerId="Windows Live" clId="Web-{AB4CC12C-A03B-4DA1-9BD7-BB1526B41236}" dt="2020-07-02T08:17:40.368" v="1"/>
-          <ac:picMkLst>
-            <pc:docMk/>
-            <pc:sldMk cId="2211369079" sldId="258"/>
-            <ac:picMk id="3" creationId="{8018A55F-FB13-4499-B0BE-413B1104B2A7}"/>
-          </ac:picMkLst>
-        </pc:picChg>
-        <pc:picChg chg="add del mod">
-          <ac:chgData name="Harinarayanan N R" userId="1339fbf232a560c1" providerId="Windows Live" clId="Web-{AB4CC12C-A03B-4DA1-9BD7-BB1526B41236}" dt="2020-07-02T08:59:26.049" v="55"/>
-          <ac:picMkLst>
-            <pc:docMk/>
-            <pc:sldMk cId="2211369079" sldId="258"/>
-            <ac:picMk id="3" creationId="{918F05C3-6ADD-414E-8C97-DCD611DAF784}"/>
-          </ac:picMkLst>
-        </pc:picChg>
-        <pc:picChg chg="add del mod">
-          <ac:chgData name="Harinarayanan N R" userId="1339fbf232a560c1" providerId="Windows Live" clId="Web-{AB4CC12C-A03B-4DA1-9BD7-BB1526B41236}" dt="2020-07-02T08:21:32.198" v="5"/>
-          <ac:picMkLst>
-            <pc:docMk/>
-            <pc:sldMk cId="2211369079" sldId="258"/>
-            <ac:picMk id="4" creationId="{DF650A8D-E955-4193-BB2A-9A42F3F8C71D}"/>
-          </ac:picMkLst>
-        </pc:picChg>
-        <pc:picChg chg="add del mod">
-          <ac:chgData name="Harinarayanan N R" userId="1339fbf232a560c1" providerId="Windows Live" clId="Web-{AB4CC12C-A03B-4DA1-9BD7-BB1526B41236}" dt="2020-07-02T08:59:26.064" v="58"/>
-          <ac:picMkLst>
-            <pc:docMk/>
-            <pc:sldMk cId="2211369079" sldId="258"/>
-            <ac:picMk id="5" creationId="{0CD3BDB4-CF0E-44F5-B051-54D19E02FB82}"/>
-          </ac:picMkLst>
-        </pc:picChg>
-        <pc:picChg chg="add del mod">
-          <ac:chgData name="Harinarayanan N R" userId="1339fbf232a560c1" providerId="Windows Live" clId="Web-{AB4CC12C-A03B-4DA1-9BD7-BB1526B41236}" dt="2020-07-02T08:59:26.064" v="57"/>
-          <ac:picMkLst>
-            <pc:docMk/>
-            <pc:sldMk cId="2211369079" sldId="258"/>
-            <ac:picMk id="6" creationId="{7B7BBDBD-B245-440C-88E4-62BC11D19540}"/>
-          </ac:picMkLst>
-        </pc:picChg>
-        <pc:picChg chg="add del mod">
-          <ac:chgData name="Harinarayanan N R" userId="1339fbf232a560c1" providerId="Windows Live" clId="Web-{AB4CC12C-A03B-4DA1-9BD7-BB1526B41236}" dt="2020-07-02T08:59:26.049" v="56"/>
-          <ac:picMkLst>
-            <pc:docMk/>
-            <pc:sldMk cId="2211369079" sldId="258"/>
-            <ac:picMk id="11" creationId="{3B81AC4E-341C-458C-A985-F4CE426539D7}"/>
-          </ac:picMkLst>
-        </pc:picChg>
-        <pc:picChg chg="mod">
-          <ac:chgData name="Harinarayanan N R" userId="1339fbf232a560c1" providerId="Windows Live" clId="Web-{AB4CC12C-A03B-4DA1-9BD7-BB1526B41236}" dt="2020-07-02T09:13:13.198" v="122" actId="1076"/>
-          <ac:picMkLst>
-            <pc:docMk/>
-            <pc:sldMk cId="2211369079" sldId="258"/>
-            <ac:picMk id="12" creationId="{68331E54-1E7E-41DC-89B7-8AFDB32D7E9A}"/>
-          </ac:picMkLst>
-        </pc:picChg>
-        <pc:picChg chg="add del mod">
-          <ac:chgData name="Harinarayanan N R" userId="1339fbf232a560c1" providerId="Windows Live" clId="Web-{AB4CC12C-A03B-4DA1-9BD7-BB1526B41236}" dt="2020-07-02T09:02:08.810" v="95"/>
-          <ac:picMkLst>
-            <pc:docMk/>
-            <pc:sldMk cId="2211369079" sldId="258"/>
-            <ac:picMk id="13" creationId="{5F9F3708-1546-4430-B946-7F78B585A8E2}"/>
-          </ac:picMkLst>
-        </pc:picChg>
-        <pc:picChg chg="add mod">
-          <ac:chgData name="Harinarayanan N R" userId="1339fbf232a560c1" providerId="Windows Live" clId="Web-{AB4CC12C-A03B-4DA1-9BD7-BB1526B41236}" dt="2020-07-02T09:02:31.624" v="99" actId="1076"/>
-          <ac:picMkLst>
-            <pc:docMk/>
-            <pc:sldMk cId="2211369079" sldId="258"/>
-            <ac:picMk id="14" creationId="{058945F5-0DDE-42E4-9EC0-EA3AF80CB37B}"/>
-          </ac:picMkLst>
-        </pc:picChg>
-        <pc:picChg chg="add mod">
-          <ac:chgData name="Harinarayanan N R" userId="1339fbf232a560c1" providerId="Windows Live" clId="Web-{AB4CC12C-A03B-4DA1-9BD7-BB1526B41236}" dt="2020-07-02T09:14:20.077" v="138" actId="1076"/>
-          <ac:picMkLst>
-            <pc:docMk/>
-            <pc:sldMk cId="2211369079" sldId="258"/>
-            <ac:picMk id="15" creationId="{8C860ABC-7E36-4548-B2D6-7022FBC4553E}"/>
-          </ac:picMkLst>
-        </pc:picChg>
-        <pc:picChg chg="add mod">
-          <ac:chgData name="Harinarayanan N R" userId="1339fbf232a560c1" providerId="Windows Live" clId="Web-{AB4CC12C-A03B-4DA1-9BD7-BB1526B41236}" dt="2020-07-02T09:14:04.201" v="133" actId="1076"/>
-          <ac:picMkLst>
-            <pc:docMk/>
-            <pc:sldMk cId="2211369079" sldId="258"/>
-            <ac:picMk id="16" creationId="{A3458E56-06CD-4F78-8079-2CA7F21C112C}"/>
-          </ac:picMkLst>
-        </pc:picChg>
-        <pc:picChg chg="add mod">
-          <ac:chgData name="Harinarayanan N R" userId="1339fbf232a560c1" providerId="Windows Live" clId="Web-{AB4CC12C-A03B-4DA1-9BD7-BB1526B41236}" dt="2020-07-02T09:18:03.405" v="141" actId="1076"/>
-          <ac:picMkLst>
-            <pc:docMk/>
-            <pc:sldMk cId="2211369079" sldId="258"/>
-            <ac:picMk id="17" creationId="{97009ED6-FC7B-4C65-862F-DD47E5023B89}"/>
-          </ac:picMkLst>
-        </pc:picChg>
-        <pc:picChg chg="add mod">
-          <ac:chgData name="Harinarayanan N R" userId="1339fbf232a560c1" providerId="Windows Live" clId="Web-{AB4CC12C-A03B-4DA1-9BD7-BB1526B41236}" dt="2020-07-02T09:23:01.393" v="150" actId="1076"/>
-          <ac:picMkLst>
-            <pc:docMk/>
-            <pc:sldMk cId="2211369079" sldId="258"/>
-            <ac:picMk id="18" creationId="{1BA0C18D-781F-41E9-B188-55E1EE440292}"/>
-          </ac:picMkLst>
-        </pc:picChg>
-        <pc:picChg chg="add del mod">
-          <ac:chgData name="Harinarayanan N R" userId="1339fbf232a560c1" providerId="Windows Live" clId="Web-{AB4CC12C-A03B-4DA1-9BD7-BB1526B41236}" dt="2020-07-02T09:23:15.722" v="152"/>
-          <ac:picMkLst>
-            <pc:docMk/>
-            <pc:sldMk cId="2211369079" sldId="258"/>
-            <ac:picMk id="19" creationId="{D6794FA2-1395-4D81-892C-6FA550AA3653}"/>
-          </ac:picMkLst>
-        </pc:picChg>
-        <pc:picChg chg="mod">
-          <ac:chgData name="Harinarayanan N R" userId="1339fbf232a560c1" providerId="Windows Live" clId="Web-{AB4CC12C-A03B-4DA1-9BD7-BB1526B41236}" dt="2020-07-02T09:13:32.746" v="126" actId="1076"/>
-          <ac:picMkLst>
-            <pc:docMk/>
-            <pc:sldMk cId="2211369079" sldId="258"/>
-            <ac:picMk id="20" creationId="{5258D708-9320-4525-9CB3-69E5910CCD25}"/>
-          </ac:picMkLst>
-        </pc:picChg>
-        <pc:picChg chg="mod">
-          <ac:chgData name="Harinarayanan N R" userId="1339fbf232a560c1" providerId="Windows Live" clId="Web-{AB4CC12C-A03B-4DA1-9BD7-BB1526B41236}" dt="2020-07-02T09:13:09.322" v="121" actId="1076"/>
-          <ac:picMkLst>
-            <pc:docMk/>
-            <pc:sldMk cId="2211369079" sldId="258"/>
-            <ac:picMk id="22" creationId="{94AF3FF7-E96B-46AE-B5A0-76AA556C0245}"/>
-          </ac:picMkLst>
-        </pc:picChg>
-        <pc:picChg chg="mod">
-          <ac:chgData name="Harinarayanan N R" userId="1339fbf232a560c1" providerId="Windows Live" clId="Web-{AB4CC12C-A03B-4DA1-9BD7-BB1526B41236}" dt="2020-07-02T09:13:44.059" v="128" actId="1076"/>
-          <ac:picMkLst>
-            <pc:docMk/>
-            <pc:sldMk cId="2211369079" sldId="258"/>
-            <ac:picMk id="23" creationId="{87E32958-D6A6-4C0B-964A-243B7B89E259}"/>
-          </ac:picMkLst>
-        </pc:picChg>
-        <pc:picChg chg="add del">
-          <ac:chgData name="Harinarayanan N R" userId="1339fbf232a560c1" providerId="Windows Live" clId="Web-{AB4CC12C-A03B-4DA1-9BD7-BB1526B41236}" dt="2020-07-02T08:59:26.049" v="53"/>
-          <ac:picMkLst>
-            <pc:docMk/>
-            <pc:sldMk cId="2211369079" sldId="258"/>
-            <ac:picMk id="24" creationId="{26E9D871-23F5-4201-8F2B-0C71E1F87300}"/>
-          </ac:picMkLst>
-        </pc:picChg>
-        <pc:picChg chg="mod">
-          <ac:chgData name="Harinarayanan N R" userId="1339fbf232a560c1" providerId="Windows Live" clId="Web-{AB4CC12C-A03B-4DA1-9BD7-BB1526B41236}" dt="2020-07-02T09:13:22.886" v="123" actId="1076"/>
-          <ac:picMkLst>
-            <pc:docMk/>
-            <pc:sldMk cId="2211369079" sldId="258"/>
-            <ac:picMk id="25" creationId="{E19348A1-8B6E-4D2C-8696-A2434EC5AB06}"/>
-          </ac:picMkLst>
-        </pc:picChg>
-        <pc:picChg chg="add del">
-          <ac:chgData name="Harinarayanan N R" userId="1339fbf232a560c1" providerId="Windows Live" clId="Web-{AB4CC12C-A03B-4DA1-9BD7-BB1526B41236}" dt="2020-07-02T08:59:26.049" v="52"/>
-          <ac:picMkLst>
-            <pc:docMk/>
-            <pc:sldMk cId="2211369079" sldId="258"/>
-            <ac:picMk id="26" creationId="{C7543377-DF5F-4ED7-ADD9-41D7B8B8F704}"/>
-          </ac:picMkLst>
-        </pc:picChg>
-        <pc:picChg chg="mod">
-          <ac:chgData name="Harinarayanan N R" userId="1339fbf232a560c1" providerId="Windows Live" clId="Web-{AB4CC12C-A03B-4DA1-9BD7-BB1526B41236}" dt="2020-07-02T09:13:39.793" v="127" actId="1076"/>
-          <ac:picMkLst>
-            <pc:docMk/>
-            <pc:sldMk cId="2211369079" sldId="258"/>
-            <ac:picMk id="27" creationId="{9B053FCE-9F7F-487A-8465-793D6D65426A}"/>
-          </ac:picMkLst>
-        </pc:picChg>
-        <pc:picChg chg="mod">
-          <ac:chgData name="Harinarayanan N R" userId="1339fbf232a560c1" providerId="Windows Live" clId="Web-{AB4CC12C-A03B-4DA1-9BD7-BB1526B41236}" dt="2020-07-02T09:18:31.016" v="144" actId="1076"/>
-          <ac:picMkLst>
-            <pc:docMk/>
-            <pc:sldMk cId="2211369079" sldId="258"/>
-            <ac:picMk id="28" creationId="{C099B05D-495F-459C-B168-DF8E4840F81D}"/>
-          </ac:picMkLst>
-        </pc:picChg>
-        <pc:picChg chg="mod">
-          <ac:chgData name="Harinarayanan N R" userId="1339fbf232a560c1" providerId="Windows Live" clId="Web-{AB4CC12C-A03B-4DA1-9BD7-BB1526B41236}" dt="2020-07-02T09:13:48.653" v="129" actId="1076"/>
-          <ac:picMkLst>
-            <pc:docMk/>
-            <pc:sldMk cId="2211369079" sldId="258"/>
-            <ac:picMk id="29" creationId="{8C575777-C5F5-47C9-B5B4-8D62A26B52A6}"/>
-          </ac:picMkLst>
-        </pc:picChg>
-        <pc:picChg chg="add del">
-          <ac:chgData name="Harinarayanan N R" userId="1339fbf232a560c1" providerId="Windows Live" clId="Web-{AB4CC12C-A03B-4DA1-9BD7-BB1526B41236}" dt="2020-07-02T08:59:26.049" v="51"/>
-          <ac:picMkLst>
-            <pc:docMk/>
-            <pc:sldMk cId="2211369079" sldId="258"/>
-            <ac:picMk id="30" creationId="{8A1E3488-55B0-44B1-AC01-124838D5C0A4}"/>
-          </ac:picMkLst>
-        </pc:picChg>
-        <pc:picChg chg="add del">
-          <ac:chgData name="Harinarayanan N R" userId="1339fbf232a560c1" providerId="Windows Live" clId="Web-{AB4CC12C-A03B-4DA1-9BD7-BB1526B41236}" dt="2020-07-02T08:59:26.049" v="50"/>
-          <ac:picMkLst>
-            <pc:docMk/>
-            <pc:sldMk cId="2211369079" sldId="258"/>
-            <ac:picMk id="31" creationId="{BB8B62F5-A2CF-4240-A3A4-C6511E9351CD}"/>
-          </ac:picMkLst>
-        </pc:picChg>
-        <pc:picChg chg="add del mod">
-          <ac:chgData name="Harinarayanan N R" userId="1339fbf232a560c1" providerId="Windows Live" clId="Web-{AB4CC12C-A03B-4DA1-9BD7-BB1526B41236}" dt="2020-07-02T09:26:11.937" v="178"/>
-          <ac:picMkLst>
-            <pc:docMk/>
-            <pc:sldMk cId="2211369079" sldId="258"/>
-            <ac:picMk id="32" creationId="{A581AE19-287E-4966-8B61-C0911354E809}"/>
-          </ac:picMkLst>
-        </pc:picChg>
-        <pc:picChg chg="add del mod">
-          <ac:chgData name="Harinarayanan N R" userId="1339fbf232a560c1" providerId="Windows Live" clId="Web-{AB4CC12C-A03B-4DA1-9BD7-BB1526B41236}" dt="2020-07-02T09:26:11.937" v="177"/>
-          <ac:picMkLst>
-            <pc:docMk/>
-            <pc:sldMk cId="2211369079" sldId="258"/>
-            <ac:picMk id="33" creationId="{84C634EE-1C84-4B05-8E31-24045A9771E0}"/>
-          </ac:picMkLst>
-        </pc:picChg>
-        <pc:picChg chg="add del mod">
-          <ac:chgData name="Harinarayanan N R" userId="1339fbf232a560c1" providerId="Windows Live" clId="Web-{AB4CC12C-A03B-4DA1-9BD7-BB1526B41236}" dt="2020-07-02T09:26:11.937" v="176"/>
-          <ac:picMkLst>
-            <pc:docMk/>
-            <pc:sldMk cId="2211369079" sldId="258"/>
-            <ac:picMk id="34" creationId="{74313742-F3D6-4A15-BB60-99369E3569C8}"/>
-          </ac:picMkLst>
-        </pc:picChg>
-        <pc:picChg chg="add mod">
-          <ac:chgData name="Harinarayanan N R" userId="1339fbf232a560c1" providerId="Windows Live" clId="Web-{AB4CC12C-A03B-4DA1-9BD7-BB1526B41236}" dt="2020-07-02T08:59:59.035" v="73" actId="1076"/>
-          <ac:picMkLst>
-            <pc:docMk/>
-            <pc:sldMk cId="2211369079" sldId="258"/>
-            <ac:picMk id="35" creationId="{586B9027-BE6E-487B-A323-3B75101A7B77}"/>
-          </ac:picMkLst>
-        </pc:picChg>
-        <pc:picChg chg="add mod">
-          <ac:chgData name="Harinarayanan N R" userId="1339fbf232a560c1" providerId="Windows Live" clId="Web-{AB4CC12C-A03B-4DA1-9BD7-BB1526B41236}" dt="2020-07-02T09:00:54.117" v="87" actId="1076"/>
-          <ac:picMkLst>
-            <pc:docMk/>
-            <pc:sldMk cId="2211369079" sldId="258"/>
-            <ac:picMk id="37" creationId="{5C2D39FA-9263-4C1B-B17E-603AD6E3D87C}"/>
-          </ac:picMkLst>
-        </pc:picChg>
-        <pc:picChg chg="add mod">
-          <ac:chgData name="Harinarayanan N R" userId="1339fbf232a560c1" providerId="Windows Live" clId="Web-{AB4CC12C-A03B-4DA1-9BD7-BB1526B41236}" dt="2020-07-02T09:00:54.133" v="88" actId="1076"/>
-          <ac:picMkLst>
-            <pc:docMk/>
-            <pc:sldMk cId="2211369079" sldId="258"/>
-            <ac:picMk id="38" creationId="{47CD0489-A0BF-4477-A9D7-6EAD18337E7A}"/>
-          </ac:picMkLst>
-        </pc:picChg>
-        <pc:picChg chg="add mod">
-          <ac:chgData name="Harinarayanan N R" userId="1339fbf232a560c1" providerId="Windows Live" clId="Web-{AB4CC12C-A03B-4DA1-9BD7-BB1526B41236}" dt="2020-07-02T09:01:08.462" v="90" actId="14100"/>
-          <ac:picMkLst>
-            <pc:docMk/>
-            <pc:sldMk cId="2211369079" sldId="258"/>
-            <ac:picMk id="39" creationId="{F28BE0B0-6584-4CC5-9ECF-DC93EF1693B7}"/>
-          </ac:picMkLst>
-        </pc:picChg>
-        <pc:picChg chg="add mod">
-          <ac:chgData name="Harinarayanan N R" userId="1339fbf232a560c1" providerId="Windows Live" clId="Web-{AB4CC12C-A03B-4DA1-9BD7-BB1526B41236}" dt="2020-07-02T09:01:15.150" v="91" actId="1076"/>
-          <ac:picMkLst>
-            <pc:docMk/>
-            <pc:sldMk cId="2211369079" sldId="258"/>
-            <ac:picMk id="40" creationId="{29CEDA49-7D6E-47EB-B6F0-9A9AE1516F07}"/>
-          </ac:picMkLst>
-        </pc:picChg>
-      </pc:sldChg>
-      <pc:sldChg chg="addSp delSp modSp new">
-        <pc:chgData name="Harinarayanan N R" userId="1339fbf232a560c1" providerId="Windows Live" clId="Web-{AB4CC12C-A03B-4DA1-9BD7-BB1526B41236}" dt="2020-07-02T09:40:50.730" v="638" actId="20577"/>
-        <pc:sldMkLst>
-          <pc:docMk/>
-          <pc:sldMk cId="745333125" sldId="259"/>
-        </pc:sldMkLst>
-        <pc:spChg chg="mod">
-          <ac:chgData name="Harinarayanan N R" userId="1339fbf232a560c1" providerId="Windows Live" clId="Web-{AB4CC12C-A03B-4DA1-9BD7-BB1526B41236}" dt="2020-07-02T09:34:05.094" v="196" actId="20577"/>
-          <ac:spMkLst>
-            <pc:docMk/>
-            <pc:sldMk cId="745333125" sldId="259"/>
-            <ac:spMk id="2" creationId="{08944831-2103-4426-907C-B401F2E49A1D}"/>
-          </ac:spMkLst>
-        </pc:spChg>
-        <pc:spChg chg="mod">
-          <ac:chgData name="Harinarayanan N R" userId="1339fbf232a560c1" providerId="Windows Live" clId="Web-{AB4CC12C-A03B-4DA1-9BD7-BB1526B41236}" dt="2020-07-02T09:40:50.730" v="638" actId="20577"/>
-          <ac:spMkLst>
-            <pc:docMk/>
-            <pc:sldMk cId="745333125" sldId="259"/>
-            <ac:spMk id="3" creationId="{B5AAB538-0D87-4E7F-9279-BD3589898F30}"/>
-          </ac:spMkLst>
-        </pc:spChg>
-        <pc:spChg chg="del">
-          <ac:chgData name="Harinarayanan N R" userId="1339fbf232a560c1" providerId="Windows Live" clId="Web-{AB4CC12C-A03B-4DA1-9BD7-BB1526B41236}" dt="2020-07-02T09:34:19.251" v="199"/>
-          <ac:spMkLst>
-            <pc:docMk/>
-            <pc:sldMk cId="745333125" sldId="259"/>
-            <ac:spMk id="4" creationId="{F1A91D5F-4437-451C-B878-74A868236732}"/>
-          </ac:spMkLst>
-        </pc:spChg>
-        <pc:spChg chg="add del mod">
-          <ac:chgData name="Harinarayanan N R" userId="1339fbf232a560c1" providerId="Windows Live" clId="Web-{AB4CC12C-A03B-4DA1-9BD7-BB1526B41236}" dt="2020-07-02T09:35:06.817" v="203"/>
-          <ac:spMkLst>
-            <pc:docMk/>
-            <pc:sldMk cId="745333125" sldId="259"/>
-            <ac:spMk id="5" creationId="{9AFD0BF0-0C56-4821-9BC8-CB90606DCB0E}"/>
-          </ac:spMkLst>
-        </pc:spChg>
-      </pc:sldChg>
-      <pc:sldChg chg="addSp delSp modSp new">
-        <pc:chgData name="Harinarayanan N R" userId="1339fbf232a560c1" providerId="Windows Live" clId="Web-{AB4CC12C-A03B-4DA1-9BD7-BB1526B41236}" dt="2020-07-02T10:09:29.388" v="966" actId="14100"/>
-        <pc:sldMkLst>
-          <pc:docMk/>
-          <pc:sldMk cId="884745702" sldId="260"/>
-        </pc:sldMkLst>
-        <pc:spChg chg="del mod">
-          <ac:chgData name="Harinarayanan N R" userId="1339fbf232a560c1" providerId="Windows Live" clId="Web-{AB4CC12C-A03B-4DA1-9BD7-BB1526B41236}" dt="2020-07-02T10:02:44.236" v="861"/>
-          <ac:spMkLst>
-            <pc:docMk/>
-            <pc:sldMk cId="884745702" sldId="260"/>
-            <ac:spMk id="2" creationId="{CD1F22E6-05B0-4062-A35E-DC69C7E6F6C4}"/>
-          </ac:spMkLst>
-        </pc:spChg>
-        <pc:spChg chg="mod">
-          <ac:chgData name="Harinarayanan N R" userId="1339fbf232a560c1" providerId="Windows Live" clId="Web-{AB4CC12C-A03B-4DA1-9BD7-BB1526B41236}" dt="2020-07-02T10:08:35.791" v="959"/>
-          <ac:spMkLst>
-            <pc:docMk/>
-            <pc:sldMk cId="884745702" sldId="260"/>
-            <ac:spMk id="3" creationId="{73A858DC-4881-44D3-9244-DE2B94E8A712}"/>
-          </ac:spMkLst>
-        </pc:spChg>
-        <pc:spChg chg="add mod">
-          <ac:chgData name="Harinarayanan N R" userId="1339fbf232a560c1" providerId="Windows Live" clId="Web-{AB4CC12C-A03B-4DA1-9BD7-BB1526B41236}" dt="2020-07-02T10:02:09.312" v="859" actId="14100"/>
-          <ac:spMkLst>
-            <pc:docMk/>
-            <pc:sldMk cId="884745702" sldId="260"/>
-            <ac:spMk id="4" creationId="{4D4B3991-FA09-4CEA-BF3E-7159CAAFBEDB}"/>
-          </ac:spMkLst>
-        </pc:spChg>
-        <pc:spChg chg="add del mod">
-          <ac:chgData name="Harinarayanan N R" userId="1339fbf232a560c1" providerId="Windows Live" clId="Web-{AB4CC12C-A03B-4DA1-9BD7-BB1526B41236}" dt="2020-07-02T09:49:46.313" v="843"/>
-          <ac:spMkLst>
-            <pc:docMk/>
-            <pc:sldMk cId="884745702" sldId="260"/>
-            <ac:spMk id="5" creationId="{CDD0E39D-FDBF-4DC2-A205-410C5270C245}"/>
-          </ac:spMkLst>
-        </pc:spChg>
-        <pc:spChg chg="add del mod">
-          <ac:chgData name="Harinarayanan N R" userId="1339fbf232a560c1" providerId="Windows Live" clId="Web-{AB4CC12C-A03B-4DA1-9BD7-BB1526B41236}" dt="2020-07-02T09:49:51.751" v="844"/>
-          <ac:spMkLst>
-            <pc:docMk/>
-            <pc:sldMk cId="884745702" sldId="260"/>
-            <ac:spMk id="6" creationId="{30DEEAAC-E3DD-44AA-9CC0-BF0790B154D9}"/>
-          </ac:spMkLst>
-        </pc:spChg>
-        <pc:spChg chg="add del mod">
-          <ac:chgData name="Harinarayanan N R" userId="1339fbf232a560c1" providerId="Windows Live" clId="Web-{AB4CC12C-A03B-4DA1-9BD7-BB1526B41236}" dt="2020-07-02T09:49:46.313" v="842"/>
-          <ac:spMkLst>
-            <pc:docMk/>
-            <pc:sldMk cId="884745702" sldId="260"/>
-            <ac:spMk id="7" creationId="{947C2304-0919-4B63-A703-9148962DDC32}"/>
-          </ac:spMkLst>
-        </pc:spChg>
-        <pc:spChg chg="add del mod">
-          <ac:chgData name="Harinarayanan N R" userId="1339fbf232a560c1" providerId="Windows Live" clId="Web-{AB4CC12C-A03B-4DA1-9BD7-BB1526B41236}" dt="2020-07-02T10:04:01.835" v="897"/>
-          <ac:spMkLst>
-            <pc:docMk/>
-            <pc:sldMk cId="884745702" sldId="260"/>
-            <ac:spMk id="11" creationId="{30060129-3D2E-418E-9C3C-E233D720A2F0}"/>
-          </ac:spMkLst>
-        </pc:spChg>
-        <pc:spChg chg="add mod">
-          <ac:chgData name="Harinarayanan N R" userId="1339fbf232a560c1" providerId="Windows Live" clId="Web-{AB4CC12C-A03B-4DA1-9BD7-BB1526B41236}" dt="2020-07-02T10:09:18.840" v="965" actId="14100"/>
-          <ac:spMkLst>
-            <pc:docMk/>
-            <pc:sldMk cId="884745702" sldId="260"/>
-            <ac:spMk id="12" creationId="{B6F819E2-90BB-4650-94CA-4B057724477D}"/>
-          </ac:spMkLst>
-        </pc:spChg>
-        <pc:spChg chg="add del mod">
-          <ac:chgData name="Harinarayanan N R" userId="1339fbf232a560c1" providerId="Windows Live" clId="Web-{AB4CC12C-A03B-4DA1-9BD7-BB1526B41236}" dt="2020-07-02T10:04:11.398" v="899"/>
-          <ac:spMkLst>
-            <pc:docMk/>
-            <pc:sldMk cId="884745702" sldId="260"/>
-            <ac:spMk id="14" creationId="{9C73C99E-5FA2-4C51-B91F-E19A42E58E12}"/>
-          </ac:spMkLst>
-        </pc:spChg>
-        <pc:spChg chg="add del mod">
-          <ac:chgData name="Harinarayanan N R" userId="1339fbf232a560c1" providerId="Windows Live" clId="Web-{AB4CC12C-A03B-4DA1-9BD7-BB1526B41236}" dt="2020-07-02T10:06:20.735" v="921"/>
-          <ac:spMkLst>
-            <pc:docMk/>
-            <pc:sldMk cId="884745702" sldId="260"/>
-            <ac:spMk id="15" creationId="{EDD40054-B8BD-4723-A3F7-F0CD149411C9}"/>
-          </ac:spMkLst>
-        </pc:spChg>
-        <pc:spChg chg="add mod">
-          <ac:chgData name="Harinarayanan N R" userId="1339fbf232a560c1" providerId="Windows Live" clId="Web-{AB4CC12C-A03B-4DA1-9BD7-BB1526B41236}" dt="2020-07-02T10:09:29.388" v="966" actId="14100"/>
-          <ac:spMkLst>
-            <pc:docMk/>
-            <pc:sldMk cId="884745702" sldId="260"/>
-            <ac:spMk id="16" creationId="{B3CA2CCF-384C-44B0-AE63-6F65CA3C0DDA}"/>
-          </ac:spMkLst>
-        </pc:spChg>
-        <pc:picChg chg="add del mod">
-          <ac:chgData name="Harinarayanan N R" userId="1339fbf232a560c1" providerId="Windows Live" clId="Web-{AB4CC12C-A03B-4DA1-9BD7-BB1526B41236}" dt="2020-07-02T10:01:23.570" v="851"/>
-          <ac:picMkLst>
-            <pc:docMk/>
-            <pc:sldMk cId="884745702" sldId="260"/>
-            <ac:picMk id="8" creationId="{A02F7855-E28A-4B2A-81A5-A4819FFFBACB}"/>
-          </ac:picMkLst>
-        </pc:picChg>
-        <pc:picChg chg="add mod">
-          <ac:chgData name="Harinarayanan N R" userId="1339fbf232a560c1" providerId="Windows Live" clId="Web-{AB4CC12C-A03B-4DA1-9BD7-BB1526B41236}" dt="2020-07-02T10:02:16" v="860" actId="14100"/>
-          <ac:picMkLst>
-            <pc:docMk/>
-            <pc:sldMk cId="884745702" sldId="260"/>
-            <ac:picMk id="9" creationId="{B90436DB-033B-48D9-8E9B-438A29AE862B}"/>
-          </ac:picMkLst>
-        </pc:picChg>
-      </pc:sldChg>
-      <pc:sldChg chg="modSp add replId">
-        <pc:chgData name="Harinarayanan N R" userId="1339fbf232a560c1" providerId="Windows Live" clId="Web-{AB4CC12C-A03B-4DA1-9BD7-BB1526B41236}" dt="2020-07-02T10:12:21.899" v="1116" actId="14100"/>
-        <pc:sldMkLst>
-          <pc:docMk/>
-          <pc:sldMk cId="1682442048" sldId="261"/>
-        </pc:sldMkLst>
-        <pc:spChg chg="mod">
-          <ac:chgData name="Harinarayanan N R" userId="1339fbf232a560c1" providerId="Windows Live" clId="Web-{AB4CC12C-A03B-4DA1-9BD7-BB1526B41236}" dt="2020-07-02T10:12:21.899" v="1116" actId="14100"/>
-          <ac:spMkLst>
-            <pc:docMk/>
-            <pc:sldMk cId="1682442048" sldId="261"/>
-            <ac:spMk id="3" creationId="{73A858DC-4881-44D3-9244-DE2B94E8A712}"/>
-          </ac:spMkLst>
-        </pc:spChg>
-        <pc:spChg chg="mod">
-          <ac:chgData name="Harinarayanan N R" userId="1339fbf232a560c1" providerId="Windows Live" clId="Web-{AB4CC12C-A03B-4DA1-9BD7-BB1526B41236}" dt="2020-07-02T10:09:54.608" v="975" actId="20577"/>
-          <ac:spMkLst>
-            <pc:docMk/>
-            <pc:sldMk cId="1682442048" sldId="261"/>
-            <ac:spMk id="12" creationId="{B6F819E2-90BB-4650-94CA-4B057724477D}"/>
-          </ac:spMkLst>
-        </pc:spChg>
-      </pc:sldChg>
-      <pc:sldChg chg="addSp delSp modSp new">
-        <pc:chgData name="Harinarayanan N R" userId="1339fbf232a560c1" providerId="Windows Live" clId="Web-{AB4CC12C-A03B-4DA1-9BD7-BB1526B41236}" dt="2020-07-02T10:23:41.335" v="1812" actId="20577"/>
-        <pc:sldMkLst>
-          <pc:docMk/>
-          <pc:sldMk cId="3275932658" sldId="262"/>
-        </pc:sldMkLst>
-        <pc:spChg chg="mod">
-          <ac:chgData name="Harinarayanan N R" userId="1339fbf232a560c1" providerId="Windows Live" clId="Web-{AB4CC12C-A03B-4DA1-9BD7-BB1526B41236}" dt="2020-07-02T10:14:31.908" v="1208" actId="20577"/>
-          <ac:spMkLst>
-            <pc:docMk/>
-            <pc:sldMk cId="3275932658" sldId="262"/>
-            <ac:spMk id="2" creationId="{0B2FF771-1497-42AC-BDD8-5F3C08F0A639}"/>
-          </ac:spMkLst>
-        </pc:spChg>
-        <pc:spChg chg="mod">
-          <ac:chgData name="Harinarayanan N R" userId="1339fbf232a560c1" providerId="Windows Live" clId="Web-{AB4CC12C-A03B-4DA1-9BD7-BB1526B41236}" dt="2020-07-02T10:23:41.335" v="1812" actId="20577"/>
-          <ac:spMkLst>
-            <pc:docMk/>
-            <pc:sldMk cId="3275932658" sldId="262"/>
-            <ac:spMk id="3" creationId="{A554E3AE-73DB-4E74-B358-04D554B9C5A2}"/>
-          </ac:spMkLst>
-        </pc:spChg>
-        <pc:spChg chg="del">
-          <ac:chgData name="Harinarayanan N R" userId="1339fbf232a560c1" providerId="Windows Live" clId="Web-{AB4CC12C-A03B-4DA1-9BD7-BB1526B41236}" dt="2020-07-02T10:13:10.934" v="1118"/>
-          <ac:spMkLst>
-            <pc:docMk/>
-            <pc:sldMk cId="3275932658" sldId="262"/>
-            <ac:spMk id="4" creationId="{57ED9DCE-ACEF-4E64-A33D-2F0E85C09259}"/>
-          </ac:spMkLst>
-        </pc:spChg>
-        <pc:spChg chg="add del">
-          <ac:chgData name="Harinarayanan N R" userId="1339fbf232a560c1" providerId="Windows Live" clId="Web-{AB4CC12C-A03B-4DA1-9BD7-BB1526B41236}" dt="2020-07-02T10:19:41.523" v="1563"/>
-          <ac:spMkLst>
-            <pc:docMk/>
-            <pc:sldMk cId="3275932658" sldId="262"/>
-            <ac:spMk id="6" creationId="{0CF3502B-C94D-4CC1-A882-4C2DB47B03E3}"/>
-          </ac:spMkLst>
-        </pc:spChg>
-      </pc:sldChg>
-    </pc:docChg>
-  </pc:docChgLst>
-  <pc:docChgLst>
-    <pc:chgData name="Harinarayanan N R" userId="1339fbf232a560c1" providerId="Windows Live" clId="Web-{CCBB7A46-938D-43EF-A70F-C44B931AFE25}"/>
-    <pc:docChg chg="addSld modSld addMainMaster delMainMaster">
-      <pc:chgData name="Harinarayanan N R" userId="1339fbf232a560c1" providerId="Windows Live" clId="Web-{CCBB7A46-938D-43EF-A70F-C44B931AFE25}" dt="2020-07-02T07:52:01.430" v="365" actId="1076"/>
-      <pc:docMkLst>
-        <pc:docMk/>
-      </pc:docMkLst>
-      <pc:sldChg chg="addSp modSp mod modClrScheme chgLayout">
-        <pc:chgData name="Harinarayanan N R" userId="1339fbf232a560c1" providerId="Windows Live" clId="Web-{CCBB7A46-938D-43EF-A70F-C44B931AFE25}" dt="2020-07-02T05:49:26.304" v="238"/>
-        <pc:sldMkLst>
-          <pc:docMk/>
-          <pc:sldMk cId="109857222" sldId="256"/>
-        </pc:sldMkLst>
-        <pc:spChg chg="mod ord">
-          <ac:chgData name="Harinarayanan N R" userId="1339fbf232a560c1" providerId="Windows Live" clId="Web-{CCBB7A46-938D-43EF-A70F-C44B931AFE25}" dt="2020-07-02T05:20:58.456" v="32" actId="20577"/>
-          <ac:spMkLst>
-            <pc:docMk/>
-            <pc:sldMk cId="109857222" sldId="256"/>
-            <ac:spMk id="2" creationId="{00000000-0000-0000-0000-000000000000}"/>
-          </ac:spMkLst>
-        </pc:spChg>
-        <pc:spChg chg="mod ord">
-          <ac:chgData name="Harinarayanan N R" userId="1339fbf232a560c1" providerId="Windows Live" clId="Web-{CCBB7A46-938D-43EF-A70F-C44B931AFE25}" dt="2020-07-02T05:49:26.304" v="238"/>
-          <ac:spMkLst>
-            <pc:docMk/>
-            <pc:sldMk cId="109857222" sldId="256"/>
-            <ac:spMk id="3" creationId="{00000000-0000-0000-0000-000000000000}"/>
-          </ac:spMkLst>
-        </pc:spChg>
-        <pc:spChg chg="add mod">
-          <ac:chgData name="Harinarayanan N R" userId="1339fbf232a560c1" providerId="Windows Live" clId="Web-{CCBB7A46-938D-43EF-A70F-C44B931AFE25}" dt="2020-07-02T05:25:49.842" v="105" actId="1076"/>
-          <ac:spMkLst>
-            <pc:docMk/>
-            <pc:sldMk cId="109857222" sldId="256"/>
-            <ac:spMk id="5" creationId="{60A30EAF-01DB-49B9-AE5B-D4143AFFE99F}"/>
-          </ac:spMkLst>
-        </pc:spChg>
-      </pc:sldChg>
-      <pc:sldChg chg="addSp delSp modSp add mod replId setBg">
-        <pc:chgData name="Harinarayanan N R" userId="1339fbf232a560c1" providerId="Windows Live" clId="Web-{CCBB7A46-938D-43EF-A70F-C44B931AFE25}" dt="2020-07-02T05:51:00.932" v="245"/>
-        <pc:sldMkLst>
-          <pc:docMk/>
-          <pc:sldMk cId="536276086" sldId="257"/>
-        </pc:sldMkLst>
-        <pc:spChg chg="mod">
-          <ac:chgData name="Harinarayanan N R" userId="1339fbf232a560c1" providerId="Windows Live" clId="Web-{CCBB7A46-938D-43EF-A70F-C44B931AFE25}" dt="2020-07-02T05:42:02.911" v="189" actId="1076"/>
-          <ac:spMkLst>
-            <pc:docMk/>
-            <pc:sldMk cId="536276086" sldId="257"/>
-            <ac:spMk id="2" creationId="{00000000-0000-0000-0000-000000000000}"/>
-          </ac:spMkLst>
-        </pc:spChg>
-        <pc:spChg chg="mod">
-          <ac:chgData name="Harinarayanan N R" userId="1339fbf232a560c1" providerId="Windows Live" clId="Web-{CCBB7A46-938D-43EF-A70F-C44B931AFE25}" dt="2020-07-02T05:45:08.762" v="215" actId="20577"/>
-          <ac:spMkLst>
-            <pc:docMk/>
-            <pc:sldMk cId="536276086" sldId="257"/>
-            <ac:spMk id="3" creationId="{00000000-0000-0000-0000-000000000000}"/>
-          </ac:spMkLst>
-        </pc:spChg>
-        <pc:spChg chg="mod">
-          <ac:chgData name="Harinarayanan N R" userId="1339fbf232a560c1" providerId="Windows Live" clId="Web-{CCBB7A46-938D-43EF-A70F-C44B931AFE25}" dt="2020-07-02T05:42:02.911" v="191" actId="1076"/>
-          <ac:spMkLst>
-            <pc:docMk/>
-            <pc:sldMk cId="536276086" sldId="257"/>
-            <ac:spMk id="5" creationId="{60A30EAF-01DB-49B9-AE5B-D4143AFFE99F}"/>
-          </ac:spMkLst>
-        </pc:spChg>
-        <pc:spChg chg="add mod">
-          <ac:chgData name="Harinarayanan N R" userId="1339fbf232a560c1" providerId="Windows Live" clId="Web-{CCBB7A46-938D-43EF-A70F-C44B931AFE25}" dt="2020-07-02T05:50:45.057" v="243"/>
-          <ac:spMkLst>
-            <pc:docMk/>
-            <pc:sldMk cId="536276086" sldId="257"/>
-            <ac:spMk id="7" creationId="{79336B74-6160-4927-81A2-24E8A5543598}"/>
-          </ac:spMkLst>
-        </pc:spChg>
-        <pc:spChg chg="add del">
-          <ac:chgData name="Harinarayanan N R" userId="1339fbf232a560c1" providerId="Windows Live" clId="Web-{CCBB7A46-938D-43EF-A70F-C44B931AFE25}" dt="2020-07-02T05:51:00.932" v="245"/>
-          <ac:spMkLst>
-            <pc:docMk/>
-            <pc:sldMk cId="536276086" sldId="257"/>
-            <ac:spMk id="9" creationId="{2E2D030F-B1C4-44A9-ABF9-F70B3E25BE98}"/>
-          </ac:spMkLst>
-        </pc:spChg>
-        <pc:picChg chg="add mod">
-          <ac:chgData name="Harinarayanan N R" userId="1339fbf232a560c1" providerId="Windows Live" clId="Web-{CCBB7A46-938D-43EF-A70F-C44B931AFE25}" dt="2020-07-02T05:47:46.612" v="228" actId="14100"/>
-          <ac:picMkLst>
-            <pc:docMk/>
-            <pc:sldMk cId="536276086" sldId="257"/>
-            <ac:picMk id="4" creationId="{D83C1665-9F24-4CAD-B2D6-EE2C8488122B}"/>
-          </ac:picMkLst>
-        </pc:picChg>
-        <pc:picChg chg="add mod">
-          <ac:chgData name="Harinarayanan N R" userId="1339fbf232a560c1" providerId="Windows Live" clId="Web-{CCBB7A46-938D-43EF-A70F-C44B931AFE25}" dt="2020-07-02T05:48:18.176" v="234" actId="1076"/>
-          <ac:picMkLst>
-            <pc:docMk/>
-            <pc:sldMk cId="536276086" sldId="257"/>
-            <ac:picMk id="6" creationId="{0DEBC716-E90E-423F-9526-2AE05D90ED6E}"/>
-          </ac:picMkLst>
-        </pc:picChg>
-        <pc:picChg chg="add mod">
-          <ac:chgData name="Harinarayanan N R" userId="1339fbf232a560c1" providerId="Windows Live" clId="Web-{CCBB7A46-938D-43EF-A70F-C44B931AFE25}" dt="2020-07-02T05:48:13.194" v="233" actId="1076"/>
-          <ac:picMkLst>
-            <pc:docMk/>
-            <pc:sldMk cId="536276086" sldId="257"/>
-            <ac:picMk id="8" creationId="{99CA8341-4844-4C44-B7B8-A6C798F7BDC2}"/>
-          </ac:picMkLst>
-        </pc:picChg>
-      </pc:sldChg>
-      <pc:sldChg chg="addSp delSp modSp new mod setBg">
-        <pc:chgData name="Harinarayanan N R" userId="1339fbf232a560c1" providerId="Windows Live" clId="Web-{CCBB7A46-938D-43EF-A70F-C44B931AFE25}" dt="2020-07-02T07:52:01.430" v="365" actId="1076"/>
-        <pc:sldMkLst>
-          <pc:docMk/>
-          <pc:sldMk cId="2211369079" sldId="258"/>
-        </pc:sldMkLst>
-        <pc:spChg chg="mod">
-          <ac:chgData name="Harinarayanan N R" userId="1339fbf232a560c1" providerId="Windows Live" clId="Web-{CCBB7A46-938D-43EF-A70F-C44B931AFE25}" dt="2020-07-02T07:25:57.585" v="331" actId="20577"/>
-          <ac:spMkLst>
-            <pc:docMk/>
-            <pc:sldMk cId="2211369079" sldId="258"/>
-            <ac:spMk id="2" creationId="{6C67EDAE-9E8F-423F-AE9B-D7047BC214B3}"/>
-          </ac:spMkLst>
-        </pc:spChg>
-        <pc:spChg chg="del">
-          <ac:chgData name="Harinarayanan N R" userId="1339fbf232a560c1" providerId="Windows Live" clId="Web-{CCBB7A46-938D-43EF-A70F-C44B931AFE25}" dt="2020-07-02T07:05:06.209" v="278"/>
-          <ac:spMkLst>
-            <pc:docMk/>
-            <pc:sldMk cId="2211369079" sldId="258"/>
-            <ac:spMk id="3" creationId="{F5F3397B-6260-4E0D-B698-2A80828E1062}"/>
-          </ac:spMkLst>
-        </pc:spChg>
-        <pc:spChg chg="add del mod">
-          <ac:chgData name="Harinarayanan N R" userId="1339fbf232a560c1" providerId="Windows Live" clId="Web-{CCBB7A46-938D-43EF-A70F-C44B931AFE25}" dt="2020-07-02T07:18:02.600" v="290"/>
-          <ac:spMkLst>
-            <pc:docMk/>
-            <pc:sldMk cId="2211369079" sldId="258"/>
-            <ac:spMk id="6" creationId="{BD4BB625-C211-4A9C-8F11-E7829DB46790}"/>
-          </ac:spMkLst>
-        </pc:spChg>
-        <pc:spChg chg="add">
-          <ac:chgData name="Harinarayanan N R" userId="1339fbf232a560c1" providerId="Windows Live" clId="Web-{CCBB7A46-938D-43EF-A70F-C44B931AFE25}" dt="2020-07-02T07:07:08.600" v="289"/>
-          <ac:spMkLst>
-            <pc:docMk/>
-            <pc:sldMk cId="2211369079" sldId="258"/>
-            <ac:spMk id="8" creationId="{5DB23C2B-2054-4D8B-9E98-9190F8E05EAD}"/>
-          </ac:spMkLst>
-        </pc:spChg>
-        <pc:spChg chg="add">
-          <ac:chgData name="Harinarayanan N R" userId="1339fbf232a560c1" providerId="Windows Live" clId="Web-{CCBB7A46-938D-43EF-A70F-C44B931AFE25}" dt="2020-07-02T07:07:08.600" v="289"/>
-          <ac:spMkLst>
-            <pc:docMk/>
-            <pc:sldMk cId="2211369079" sldId="258"/>
-            <ac:spMk id="9" creationId="{8797B5BC-9873-45F9-97D6-298FB5AF08FF}"/>
-          </ac:spMkLst>
-        </pc:spChg>
-        <pc:spChg chg="add">
-          <ac:chgData name="Harinarayanan N R" userId="1339fbf232a560c1" providerId="Windows Live" clId="Web-{CCBB7A46-938D-43EF-A70F-C44B931AFE25}" dt="2020-07-02T07:07:08.600" v="289"/>
-          <ac:spMkLst>
-            <pc:docMk/>
-            <pc:sldMk cId="2211369079" sldId="258"/>
-            <ac:spMk id="10" creationId="{665C2FCD-09A4-4B4B-AA73-F330DFE91799}"/>
-          </ac:spMkLst>
-        </pc:spChg>
-        <pc:spChg chg="add del">
-          <ac:chgData name="Harinarayanan N R" userId="1339fbf232a560c1" providerId="Windows Live" clId="Web-{CCBB7A46-938D-43EF-A70F-C44B931AFE25}" dt="2020-07-02T07:07:08.600" v="288"/>
-          <ac:spMkLst>
-            <pc:docMk/>
-            <pc:sldMk cId="2211369079" sldId="258"/>
-            <ac:spMk id="11" creationId="{29DC5A77-10C9-4ECF-B7EB-8D917F36A9EE}"/>
-          </ac:spMkLst>
-        </pc:spChg>
-        <pc:spChg chg="add del">
-          <ac:chgData name="Harinarayanan N R" userId="1339fbf232a560c1" providerId="Windows Live" clId="Web-{CCBB7A46-938D-43EF-A70F-C44B931AFE25}" dt="2020-07-02T07:07:08.600" v="288"/>
-          <ac:spMkLst>
-            <pc:docMk/>
-            <pc:sldMk cId="2211369079" sldId="258"/>
-            <ac:spMk id="13" creationId="{2FFE28B5-FB16-49A9-B851-3C35FAC0CACB}"/>
-          </ac:spMkLst>
-        </pc:spChg>
-        <pc:spChg chg="add del">
-          <ac:chgData name="Harinarayanan N R" userId="1339fbf232a560c1" providerId="Windows Live" clId="Web-{CCBB7A46-938D-43EF-A70F-C44B931AFE25}" dt="2020-07-02T07:07:08.600" v="288"/>
-          <ac:spMkLst>
-            <pc:docMk/>
-            <pc:sldMk cId="2211369079" sldId="258"/>
-            <ac:spMk id="15" creationId="{01014442-855A-4E0F-8D09-C314661A48B9}"/>
-          </ac:spMkLst>
-        </pc:spChg>
-        <pc:spChg chg="add del">
-          <ac:chgData name="Harinarayanan N R" userId="1339fbf232a560c1" providerId="Windows Live" clId="Web-{CCBB7A46-938D-43EF-A70F-C44B931AFE25}" dt="2020-07-02T07:07:08.600" v="288"/>
-          <ac:spMkLst>
-            <pc:docMk/>
-            <pc:sldMk cId="2211369079" sldId="258"/>
-            <ac:spMk id="17" creationId="{9B1ABF09-86CF-414E-88A5-2B84CC7232A9}"/>
-          </ac:spMkLst>
-        </pc:spChg>
-        <pc:spChg chg="add del">
-          <ac:chgData name="Harinarayanan N R" userId="1339fbf232a560c1" providerId="Windows Live" clId="Web-{CCBB7A46-938D-43EF-A70F-C44B931AFE25}" dt="2020-07-02T07:07:08.600" v="288"/>
-          <ac:spMkLst>
-            <pc:docMk/>
-            <pc:sldMk cId="2211369079" sldId="258"/>
-            <ac:spMk id="19" creationId="{3FE91770-CDBB-4D24-94E5-AD484F36CE87}"/>
-          </ac:spMkLst>
-        </pc:spChg>
-        <pc:picChg chg="add del mod ord">
-          <ac:chgData name="Harinarayanan N R" userId="1339fbf232a560c1" providerId="Windows Live" clId="Web-{CCBB7A46-938D-43EF-A70F-C44B931AFE25}" dt="2020-07-02T07:05:51.459" v="286"/>
-          <ac:picMkLst>
-            <pc:docMk/>
-            <pc:sldMk cId="2211369079" sldId="258"/>
-            <ac:picMk id="4" creationId="{25099394-CCC0-43D9-8789-6F51D8BAD708}"/>
-          </ac:picMkLst>
-        </pc:picChg>
-        <pc:picChg chg="add mod ord">
-          <ac:chgData name="Harinarayanan N R" userId="1339fbf232a560c1" providerId="Windows Live" clId="Web-{CCBB7A46-938D-43EF-A70F-C44B931AFE25}" dt="2020-07-02T07:18:08.241" v="291" actId="1076"/>
-          <ac:picMkLst>
-            <pc:docMk/>
-            <pc:sldMk cId="2211369079" sldId="258"/>
-            <ac:picMk id="7" creationId="{9A1CDEFE-A34C-451F-BA7B-0F436E90459D}"/>
-          </ac:picMkLst>
-        </pc:picChg>
-        <pc:picChg chg="add mod">
-          <ac:chgData name="Harinarayanan N R" userId="1339fbf232a560c1" providerId="Windows Live" clId="Web-{CCBB7A46-938D-43EF-A70F-C44B931AFE25}" dt="2020-07-02T07:19:12.585" v="294" actId="1076"/>
-          <ac:picMkLst>
-            <pc:docMk/>
-            <pc:sldMk cId="2211369079" sldId="258"/>
-            <ac:picMk id="12" creationId="{68331E54-1E7E-41DC-89B7-8AFDB32D7E9A}"/>
-          </ac:picMkLst>
-        </pc:picChg>
-        <pc:picChg chg="add del mod">
-          <ac:chgData name="Harinarayanan N R" userId="1339fbf232a560c1" providerId="Windows Live" clId="Web-{CCBB7A46-938D-43EF-A70F-C44B931AFE25}" dt="2020-07-02T07:24:19.225" v="301"/>
-          <ac:picMkLst>
-            <pc:docMk/>
-            <pc:sldMk cId="2211369079" sldId="258"/>
-            <ac:picMk id="14" creationId="{767BA5AA-8B3E-45A3-95DC-B74694E58588}"/>
-          </ac:picMkLst>
-        </pc:picChg>
-        <pc:picChg chg="add del mod">
-          <ac:chgData name="Harinarayanan N R" userId="1339fbf232a560c1" providerId="Windows Live" clId="Web-{CCBB7A46-938D-43EF-A70F-C44B931AFE25}" dt="2020-07-02T07:24:15.335" v="299"/>
-          <ac:picMkLst>
-            <pc:docMk/>
-            <pc:sldMk cId="2211369079" sldId="258"/>
-            <ac:picMk id="16" creationId="{C1E8CAF8-C3AB-4299-85CB-30FCB24D2DDD}"/>
-          </ac:picMkLst>
-        </pc:picChg>
-        <pc:picChg chg="add del mod">
-          <ac:chgData name="Harinarayanan N R" userId="1339fbf232a560c1" providerId="Windows Live" clId="Web-{CCBB7A46-938D-43EF-A70F-C44B931AFE25}" dt="2020-07-02T07:49:44.492" v="360"/>
-          <ac:picMkLst>
-            <pc:docMk/>
-            <pc:sldMk cId="2211369079" sldId="258"/>
-            <ac:picMk id="18" creationId="{DC9561B2-21A4-471F-A8C8-63D425E630E0}"/>
-          </ac:picMkLst>
-        </pc:picChg>
-        <pc:picChg chg="add mod">
-          <ac:chgData name="Harinarayanan N R" userId="1339fbf232a560c1" providerId="Windows Live" clId="Web-{CCBB7A46-938D-43EF-A70F-C44B931AFE25}" dt="2020-07-02T07:29:28.757" v="336" actId="1076"/>
-          <ac:picMkLst>
-            <pc:docMk/>
-            <pc:sldMk cId="2211369079" sldId="258"/>
-            <ac:picMk id="20" creationId="{5258D708-9320-4525-9CB3-69E5910CCD25}"/>
-          </ac:picMkLst>
-        </pc:picChg>
-        <pc:picChg chg="add del mod">
-          <ac:chgData name="Harinarayanan N R" userId="1339fbf232a560c1" providerId="Windows Live" clId="Web-{CCBB7A46-938D-43EF-A70F-C44B931AFE25}" dt="2020-07-02T07:43:29.898" v="338"/>
-          <ac:picMkLst>
-            <pc:docMk/>
-            <pc:sldMk cId="2211369079" sldId="258"/>
-            <ac:picMk id="21" creationId="{A158FF4C-42FF-4666-82FF-CD3C76FBB82D}"/>
-          </ac:picMkLst>
-        </pc:picChg>
-        <pc:picChg chg="add mod">
-          <ac:chgData name="Harinarayanan N R" userId="1339fbf232a560c1" providerId="Windows Live" clId="Web-{CCBB7A46-938D-43EF-A70F-C44B931AFE25}" dt="2020-07-02T07:49:16.774" v="355" actId="1076"/>
-          <ac:picMkLst>
-            <pc:docMk/>
-            <pc:sldMk cId="2211369079" sldId="258"/>
-            <ac:picMk id="22" creationId="{94AF3FF7-E96B-46AE-B5A0-76AA556C0245}"/>
-          </ac:picMkLst>
-        </pc:picChg>
-        <pc:picChg chg="add mod">
-          <ac:chgData name="Harinarayanan N R" userId="1339fbf232a560c1" providerId="Windows Live" clId="Web-{CCBB7A46-938D-43EF-A70F-C44B931AFE25}" dt="2020-07-02T07:50:44.477" v="363" actId="14100"/>
-          <ac:picMkLst>
-            <pc:docMk/>
-            <pc:sldMk cId="2211369079" sldId="258"/>
-            <ac:picMk id="23" creationId="{87E32958-D6A6-4C0B-964A-243B7B89E259}"/>
-          </ac:picMkLst>
-        </pc:picChg>
-        <pc:picChg chg="add del mod">
-          <ac:chgData name="Harinarayanan N R" userId="1339fbf232a560c1" providerId="Windows Live" clId="Web-{CCBB7A46-938D-43EF-A70F-C44B931AFE25}" dt="2020-07-02T07:46:09.055" v="346"/>
-          <ac:picMkLst>
-            <pc:docMk/>
-            <pc:sldMk cId="2211369079" sldId="258"/>
-            <ac:picMk id="24" creationId="{C0CAB9F7-DF5B-4A62-9F46-23E252208007}"/>
-          </ac:picMkLst>
-        </pc:picChg>
-        <pc:picChg chg="add mod">
-          <ac:chgData name="Harinarayanan N R" userId="1339fbf232a560c1" providerId="Windows Live" clId="Web-{CCBB7A46-938D-43EF-A70F-C44B931AFE25}" dt="2020-07-02T07:46:31.523" v="350" actId="1076"/>
-          <ac:picMkLst>
-            <pc:docMk/>
-            <pc:sldMk cId="2211369079" sldId="258"/>
-            <ac:picMk id="25" creationId="{E19348A1-8B6E-4D2C-8696-A2434EC5AB06}"/>
-          </ac:picMkLst>
-        </pc:picChg>
-        <pc:picChg chg="add del mod">
-          <ac:chgData name="Harinarayanan N R" userId="1339fbf232a560c1" providerId="Windows Live" clId="Web-{CCBB7A46-938D-43EF-A70F-C44B931AFE25}" dt="2020-07-02T07:49:00.398" v="352"/>
-          <ac:picMkLst>
-            <pc:docMk/>
-            <pc:sldMk cId="2211369079" sldId="258"/>
-            <ac:picMk id="26" creationId="{CC254237-8093-4939-AB8E-BE697EA06D80}"/>
-          </ac:picMkLst>
-        </pc:picChg>
-        <pc:picChg chg="add mod">
-          <ac:chgData name="Harinarayanan N R" userId="1339fbf232a560c1" providerId="Windows Live" clId="Web-{CCBB7A46-938D-43EF-A70F-C44B931AFE25}" dt="2020-07-02T07:49:20.259" v="356" actId="1076"/>
-          <ac:picMkLst>
-            <pc:docMk/>
-            <pc:sldMk cId="2211369079" sldId="258"/>
-            <ac:picMk id="27" creationId="{9B053FCE-9F7F-487A-8465-793D6D65426A}"/>
-          </ac:picMkLst>
-        </pc:picChg>
-        <pc:picChg chg="add mod">
-          <ac:chgData name="Harinarayanan N R" userId="1339fbf232a560c1" providerId="Windows Live" clId="Web-{CCBB7A46-938D-43EF-A70F-C44B931AFE25}" dt="2020-07-02T07:50:32.805" v="362" actId="1076"/>
-          <ac:picMkLst>
-            <pc:docMk/>
-            <pc:sldMk cId="2211369079" sldId="258"/>
-            <ac:picMk id="28" creationId="{C099B05D-495F-459C-B168-DF8E4840F81D}"/>
-          </ac:picMkLst>
-        </pc:picChg>
-        <pc:picChg chg="add mod">
-          <ac:chgData name="Harinarayanan N R" userId="1339fbf232a560c1" providerId="Windows Live" clId="Web-{CCBB7A46-938D-43EF-A70F-C44B931AFE25}" dt="2020-07-02T07:52:01.430" v="365" actId="1076"/>
-          <ac:picMkLst>
-            <pc:docMk/>
-            <pc:sldMk cId="2211369079" sldId="258"/>
-            <ac:picMk id="29" creationId="{8C575777-C5F5-47C9-B5B4-8D62A26B52A6}"/>
-          </ac:picMkLst>
-        </pc:picChg>
-      </pc:sldChg>
-      <pc:sldMasterChg chg="del delSldLayout">
-        <pc:chgData name="Harinarayanan N R" userId="1339fbf232a560c1" providerId="Windows Live" clId="Web-{CCBB7A46-938D-43EF-A70F-C44B931AFE25}" dt="2020-07-02T05:19:56.922" v="0"/>
-        <pc:sldMasterMkLst>
-          <pc:docMk/>
-          <pc:sldMasterMk cId="2460954070" sldId="2147483660"/>
-        </pc:sldMasterMkLst>
-        <pc:sldLayoutChg chg="del">
-          <pc:chgData name="Harinarayanan N R" userId="1339fbf232a560c1" providerId="Windows Live" clId="Web-{CCBB7A46-938D-43EF-A70F-C44B931AFE25}" dt="2020-07-02T05:19:56.922" v="0"/>
-          <pc:sldLayoutMkLst>
-            <pc:docMk/>
-            <pc:sldMasterMk cId="2460954070" sldId="2147483660"/>
-            <pc:sldLayoutMk cId="2385387890" sldId="2147483661"/>
-          </pc:sldLayoutMkLst>
-        </pc:sldLayoutChg>
-        <pc:sldLayoutChg chg="del">
-          <pc:chgData name="Harinarayanan N R" userId="1339fbf232a560c1" providerId="Windows Live" clId="Web-{CCBB7A46-938D-43EF-A70F-C44B931AFE25}" dt="2020-07-02T05:19:56.922" v="0"/>
-          <pc:sldLayoutMkLst>
-            <pc:docMk/>
-            <pc:sldMasterMk cId="2460954070" sldId="2147483660"/>
-            <pc:sldLayoutMk cId="949138452" sldId="2147483662"/>
-          </pc:sldLayoutMkLst>
-        </pc:sldLayoutChg>
-        <pc:sldLayoutChg chg="del">
-          <pc:chgData name="Harinarayanan N R" userId="1339fbf232a560c1" providerId="Windows Live" clId="Web-{CCBB7A46-938D-43EF-A70F-C44B931AFE25}" dt="2020-07-02T05:19:56.922" v="0"/>
-          <pc:sldLayoutMkLst>
-            <pc:docMk/>
-            <pc:sldMasterMk cId="2460954070" sldId="2147483660"/>
-            <pc:sldLayoutMk cId="2591524520" sldId="2147483663"/>
-          </pc:sldLayoutMkLst>
-        </pc:sldLayoutChg>
-        <pc:sldLayoutChg chg="del">
-          <pc:chgData name="Harinarayanan N R" userId="1339fbf232a560c1" providerId="Windows Live" clId="Web-{CCBB7A46-938D-43EF-A70F-C44B931AFE25}" dt="2020-07-02T05:19:56.922" v="0"/>
-          <pc:sldLayoutMkLst>
-            <pc:docMk/>
-            <pc:sldMasterMk cId="2460954070" sldId="2147483660"/>
-            <pc:sldLayoutMk cId="1203092039" sldId="2147483664"/>
-          </pc:sldLayoutMkLst>
-        </pc:sldLayoutChg>
-        <pc:sldLayoutChg chg="del">
-          <pc:chgData name="Harinarayanan N R" userId="1339fbf232a560c1" providerId="Windows Live" clId="Web-{CCBB7A46-938D-43EF-A70F-C44B931AFE25}" dt="2020-07-02T05:19:56.922" v="0"/>
-          <pc:sldLayoutMkLst>
-            <pc:docMk/>
-            <pc:sldMasterMk cId="2460954070" sldId="2147483660"/>
-            <pc:sldLayoutMk cId="3733172339" sldId="2147483665"/>
-          </pc:sldLayoutMkLst>
-        </pc:sldLayoutChg>
-        <pc:sldLayoutChg chg="del">
-          <pc:chgData name="Harinarayanan N R" userId="1339fbf232a560c1" providerId="Windows Live" clId="Web-{CCBB7A46-938D-43EF-A70F-C44B931AFE25}" dt="2020-07-02T05:19:56.922" v="0"/>
-          <pc:sldLayoutMkLst>
-            <pc:docMk/>
-            <pc:sldMasterMk cId="2460954070" sldId="2147483660"/>
-            <pc:sldLayoutMk cId="3210312558" sldId="2147483666"/>
-          </pc:sldLayoutMkLst>
-        </pc:sldLayoutChg>
-        <pc:sldLayoutChg chg="del">
-          <pc:chgData name="Harinarayanan N R" userId="1339fbf232a560c1" providerId="Windows Live" clId="Web-{CCBB7A46-938D-43EF-A70F-C44B931AFE25}" dt="2020-07-02T05:19:56.922" v="0"/>
-          <pc:sldLayoutMkLst>
-            <pc:docMk/>
-            <pc:sldMasterMk cId="2460954070" sldId="2147483660"/>
-            <pc:sldLayoutMk cId="3146388984" sldId="2147483667"/>
-          </pc:sldLayoutMkLst>
-        </pc:sldLayoutChg>
-        <pc:sldLayoutChg chg="del">
-          <pc:chgData name="Harinarayanan N R" userId="1339fbf232a560c1" providerId="Windows Live" clId="Web-{CCBB7A46-938D-43EF-A70F-C44B931AFE25}" dt="2020-07-02T05:19:56.922" v="0"/>
-          <pc:sldLayoutMkLst>
-            <pc:docMk/>
-            <pc:sldMasterMk cId="2460954070" sldId="2147483660"/>
-            <pc:sldLayoutMk cId="3171841454" sldId="2147483668"/>
-          </pc:sldLayoutMkLst>
-        </pc:sldLayoutChg>
-        <pc:sldLayoutChg chg="del">
-          <pc:chgData name="Harinarayanan N R" userId="1339fbf232a560c1" providerId="Windows Live" clId="Web-{CCBB7A46-938D-43EF-A70F-C44B931AFE25}" dt="2020-07-02T05:19:56.922" v="0"/>
-          <pc:sldLayoutMkLst>
-            <pc:docMk/>
-            <pc:sldMasterMk cId="2460954070" sldId="2147483660"/>
-            <pc:sldLayoutMk cId="1718958274" sldId="2147483669"/>
-          </pc:sldLayoutMkLst>
-        </pc:sldLayoutChg>
-        <pc:sldLayoutChg chg="del">
-          <pc:chgData name="Harinarayanan N R" userId="1339fbf232a560c1" providerId="Windows Live" clId="Web-{CCBB7A46-938D-43EF-A70F-C44B931AFE25}" dt="2020-07-02T05:19:56.922" v="0"/>
-          <pc:sldLayoutMkLst>
-            <pc:docMk/>
-            <pc:sldMasterMk cId="2460954070" sldId="2147483660"/>
-            <pc:sldLayoutMk cId="2202905451" sldId="2147483670"/>
-          </pc:sldLayoutMkLst>
-        </pc:sldLayoutChg>
-        <pc:sldLayoutChg chg="del">
-          <pc:chgData name="Harinarayanan N R" userId="1339fbf232a560c1" providerId="Windows Live" clId="Web-{CCBB7A46-938D-43EF-A70F-C44B931AFE25}" dt="2020-07-02T05:19:56.922" v="0"/>
-          <pc:sldLayoutMkLst>
-            <pc:docMk/>
-            <pc:sldMasterMk cId="2460954070" sldId="2147483660"/>
-            <pc:sldLayoutMk cId="3479445657" sldId="2147483671"/>
-          </pc:sldLayoutMkLst>
-        </pc:sldLayoutChg>
-      </pc:sldMasterChg>
-      <pc:sldMasterChg chg="add addSldLayout modSldLayout">
-        <pc:chgData name="Harinarayanan N R" userId="1339fbf232a560c1" providerId="Windows Live" clId="Web-{CCBB7A46-938D-43EF-A70F-C44B931AFE25}" dt="2020-07-02T05:19:56.922" v="0"/>
-        <pc:sldMasterMkLst>
-          <pc:docMk/>
-          <pc:sldMasterMk cId="2450257645" sldId="2147483672"/>
-        </pc:sldMasterMkLst>
-        <pc:sldLayoutChg chg="add mod replId">
-          <pc:chgData name="Harinarayanan N R" userId="1339fbf232a560c1" providerId="Windows Live" clId="Web-{CCBB7A46-938D-43EF-A70F-C44B931AFE25}" dt="2020-07-02T05:19:56.922" v="0"/>
-          <pc:sldLayoutMkLst>
-            <pc:docMk/>
-            <pc:sldMasterMk cId="2450257645" sldId="2147483672"/>
-            <pc:sldLayoutMk cId="426809058" sldId="2147483673"/>
-          </pc:sldLayoutMkLst>
-        </pc:sldLayoutChg>
-        <pc:sldLayoutChg chg="add mod replId">
-          <pc:chgData name="Harinarayanan N R" userId="1339fbf232a560c1" providerId="Windows Live" clId="Web-{CCBB7A46-938D-43EF-A70F-C44B931AFE25}" dt="2020-07-02T05:19:56.922" v="0"/>
-          <pc:sldLayoutMkLst>
-            <pc:docMk/>
-            <pc:sldMasterMk cId="2450257645" sldId="2147483672"/>
-            <pc:sldLayoutMk cId="802099194" sldId="2147483674"/>
-          </pc:sldLayoutMkLst>
-        </pc:sldLayoutChg>
-        <pc:sldLayoutChg chg="add mod replId">
-          <pc:chgData name="Harinarayanan N R" userId="1339fbf232a560c1" providerId="Windows Live" clId="Web-{CCBB7A46-938D-43EF-A70F-C44B931AFE25}" dt="2020-07-02T05:19:56.922" v="0"/>
-          <pc:sldLayoutMkLst>
-            <pc:docMk/>
-            <pc:sldMasterMk cId="2450257645" sldId="2147483672"/>
-            <pc:sldLayoutMk cId="2340662533" sldId="2147483675"/>
-          </pc:sldLayoutMkLst>
-        </pc:sldLayoutChg>
-        <pc:sldLayoutChg chg="add mod replId">
-          <pc:chgData name="Harinarayanan N R" userId="1339fbf232a560c1" providerId="Windows Live" clId="Web-{CCBB7A46-938D-43EF-A70F-C44B931AFE25}" dt="2020-07-02T05:19:56.922" v="0"/>
-          <pc:sldLayoutMkLst>
-            <pc:docMk/>
-            <pc:sldMasterMk cId="2450257645" sldId="2147483672"/>
-            <pc:sldLayoutMk cId="3884241357" sldId="2147483676"/>
-          </pc:sldLayoutMkLst>
-        </pc:sldLayoutChg>
-        <pc:sldLayoutChg chg="add mod replId">
-          <pc:chgData name="Harinarayanan N R" userId="1339fbf232a560c1" providerId="Windows Live" clId="Web-{CCBB7A46-938D-43EF-A70F-C44B931AFE25}" dt="2020-07-02T05:19:56.922" v="0"/>
-          <pc:sldLayoutMkLst>
-            <pc:docMk/>
-            <pc:sldMasterMk cId="2450257645" sldId="2147483672"/>
-            <pc:sldLayoutMk cId="2028300837" sldId="2147483677"/>
-          </pc:sldLayoutMkLst>
-        </pc:sldLayoutChg>
-        <pc:sldLayoutChg chg="add mod replId">
-          <pc:chgData name="Harinarayanan N R" userId="1339fbf232a560c1" providerId="Windows Live" clId="Web-{CCBB7A46-938D-43EF-A70F-C44B931AFE25}" dt="2020-07-02T05:19:56.922" v="0"/>
-          <pc:sldLayoutMkLst>
-            <pc:docMk/>
-            <pc:sldMasterMk cId="2450257645" sldId="2147483672"/>
-            <pc:sldLayoutMk cId="1592618448" sldId="2147483678"/>
-          </pc:sldLayoutMkLst>
-        </pc:sldLayoutChg>
-        <pc:sldLayoutChg chg="add mod replId">
-          <pc:chgData name="Harinarayanan N R" userId="1339fbf232a560c1" providerId="Windows Live" clId="Web-{CCBB7A46-938D-43EF-A70F-C44B931AFE25}" dt="2020-07-02T05:19:56.922" v="0"/>
-          <pc:sldLayoutMkLst>
-            <pc:docMk/>
-            <pc:sldMasterMk cId="2450257645" sldId="2147483672"/>
-            <pc:sldLayoutMk cId="1060380253" sldId="2147483679"/>
-          </pc:sldLayoutMkLst>
-        </pc:sldLayoutChg>
-        <pc:sldLayoutChg chg="add mod replId">
-          <pc:chgData name="Harinarayanan N R" userId="1339fbf232a560c1" providerId="Windows Live" clId="Web-{CCBB7A46-938D-43EF-A70F-C44B931AFE25}" dt="2020-07-02T05:19:56.922" v="0"/>
-          <pc:sldLayoutMkLst>
-            <pc:docMk/>
-            <pc:sldMasterMk cId="2450257645" sldId="2147483672"/>
-            <pc:sldLayoutMk cId="2845128354" sldId="2147483680"/>
-          </pc:sldLayoutMkLst>
-        </pc:sldLayoutChg>
-        <pc:sldLayoutChg chg="add mod replId">
-          <pc:chgData name="Harinarayanan N R" userId="1339fbf232a560c1" providerId="Windows Live" clId="Web-{CCBB7A46-938D-43EF-A70F-C44B931AFE25}" dt="2020-07-02T05:19:56.922" v="0"/>
-          <pc:sldLayoutMkLst>
-            <pc:docMk/>
-            <pc:sldMasterMk cId="2450257645" sldId="2147483672"/>
-            <pc:sldLayoutMk cId="1225343217" sldId="2147483681"/>
-          </pc:sldLayoutMkLst>
-        </pc:sldLayoutChg>
-        <pc:sldLayoutChg chg="add mod replId">
-          <pc:chgData name="Harinarayanan N R" userId="1339fbf232a560c1" providerId="Windows Live" clId="Web-{CCBB7A46-938D-43EF-A70F-C44B931AFE25}" dt="2020-07-02T05:19:56.922" v="0"/>
-          <pc:sldLayoutMkLst>
-            <pc:docMk/>
-            <pc:sldMasterMk cId="2450257645" sldId="2147483672"/>
-            <pc:sldLayoutMk cId="782560433" sldId="2147483682"/>
-          </pc:sldLayoutMkLst>
-        </pc:sldLayoutChg>
-        <pc:sldLayoutChg chg="add mod replId">
-          <pc:chgData name="Harinarayanan N R" userId="1339fbf232a560c1" providerId="Windows Live" clId="Web-{CCBB7A46-938D-43EF-A70F-C44B931AFE25}" dt="2020-07-02T05:19:56.922" v="0"/>
-          <pc:sldLayoutMkLst>
-            <pc:docMk/>
-            <pc:sldMasterMk cId="2450257645" sldId="2147483672"/>
-            <pc:sldLayoutMk cId="1134395178" sldId="2147483683"/>
-          </pc:sldLayoutMkLst>
-        </pc:sldLayoutChg>
-      </pc:sldMasterChg>
-    </pc:docChg>
-  </pc:docChgLst>
-</pc:chgInfo>
 </file>
 
 <file path=ppt/slideLayouts/slideLayout1.xml><?xml version="1.0" encoding="utf-8"?>
@@ -1403,7 +353,7 @@
             <a:fld id="{5586B75A-687E-405C-8A0B-8D00578BA2C3}" type="datetimeFigureOut">
               <a:rPr lang="en-US" dirty="0"/>
               <a:pPr/>
-              <a:t>7/2/2020</a:t>
+              <a:t>7/6/2020</a:t>
             </a:fld>
             <a:endParaRPr lang="en-US" dirty="0"/>
           </a:p>
@@ -1573,7 +523,7 @@
             <a:fld id="{5586B75A-687E-405C-8A0B-8D00578BA2C3}" type="datetimeFigureOut">
               <a:rPr lang="en-US" dirty="0"/>
               <a:pPr/>
-              <a:t>7/2/2020</a:t>
+              <a:t>7/6/2020</a:t>
             </a:fld>
             <a:endParaRPr lang="en-US" dirty="0"/>
           </a:p>
@@ -1753,7 +703,7 @@
             <a:fld id="{5586B75A-687E-405C-8A0B-8D00578BA2C3}" type="datetimeFigureOut">
               <a:rPr lang="en-US" dirty="0"/>
               <a:pPr/>
-              <a:t>7/2/2020</a:t>
+              <a:t>7/6/2020</a:t>
             </a:fld>
             <a:endParaRPr lang="en-US" dirty="0"/>
           </a:p>
@@ -1923,7 +873,7 @@
             <a:fld id="{5586B75A-687E-405C-8A0B-8D00578BA2C3}" type="datetimeFigureOut">
               <a:rPr lang="en-US" dirty="0"/>
               <a:pPr/>
-              <a:t>7/2/2020</a:t>
+              <a:t>7/6/2020</a:t>
             </a:fld>
             <a:endParaRPr lang="en-US" dirty="0"/>
           </a:p>
@@ -2182,7 +1132,7 @@
             <a:fld id="{5586B75A-687E-405C-8A0B-8D00578BA2C3}" type="datetimeFigureOut">
               <a:rPr lang="en-US" dirty="0"/>
               <a:pPr/>
-              <a:t>7/2/2020</a:t>
+              <a:t>7/6/2020</a:t>
             </a:fld>
             <a:endParaRPr lang="en-US" dirty="0"/>
           </a:p>
@@ -2469,7 +1419,7 @@
             <a:fld id="{5586B75A-687E-405C-8A0B-8D00578BA2C3}" type="datetimeFigureOut">
               <a:rPr lang="en-US" dirty="0"/>
               <a:pPr/>
-              <a:t>7/2/2020</a:t>
+              <a:t>7/6/2020</a:t>
             </a:fld>
             <a:endParaRPr lang="en-US" dirty="0"/>
           </a:p>
@@ -2910,7 +1860,7 @@
             <a:fld id="{5586B75A-687E-405C-8A0B-8D00578BA2C3}" type="datetimeFigureOut">
               <a:rPr lang="en-US" dirty="0"/>
               <a:pPr/>
-              <a:t>7/2/2020</a:t>
+              <a:t>7/6/2020</a:t>
             </a:fld>
             <a:endParaRPr lang="en-US" dirty="0"/>
           </a:p>
@@ -3029,7 +1979,7 @@
             <a:fld id="{5586B75A-687E-405C-8A0B-8D00578BA2C3}" type="datetimeFigureOut">
               <a:rPr lang="en-US" dirty="0"/>
               <a:pPr/>
-              <a:t>7/2/2020</a:t>
+              <a:t>7/6/2020</a:t>
             </a:fld>
             <a:endParaRPr lang="en-US" dirty="0"/>
           </a:p>
@@ -3126,7 +2076,7 @@
             <a:fld id="{5586B75A-687E-405C-8A0B-8D00578BA2C3}" type="datetimeFigureOut">
               <a:rPr lang="en-US" dirty="0"/>
               <a:pPr/>
-              <a:t>7/2/2020</a:t>
+              <a:t>7/6/2020</a:t>
             </a:fld>
             <a:endParaRPr lang="en-US" dirty="0"/>
           </a:p>
@@ -3414,7 +2364,7 @@
             <a:fld id="{5586B75A-687E-405C-8A0B-8D00578BA2C3}" type="datetimeFigureOut">
               <a:rPr lang="en-US" dirty="0"/>
               <a:pPr/>
-              <a:t>7/2/2020</a:t>
+              <a:t>7/6/2020</a:t>
             </a:fld>
             <a:endParaRPr lang="en-US" dirty="0"/>
           </a:p>
@@ -3684,7 +2634,7 @@
             <a:fld id="{5586B75A-687E-405C-8A0B-8D00578BA2C3}" type="datetimeFigureOut">
               <a:rPr lang="en-US" dirty="0"/>
               <a:pPr/>
-              <a:t>7/2/2020</a:t>
+              <a:t>7/6/2020</a:t>
             </a:fld>
             <a:endParaRPr lang="en-US" dirty="0"/>
           </a:p>
@@ -3981,7 +2931,7 @@
             <a:fld id="{5586B75A-687E-405C-8A0B-8D00578BA2C3}" type="datetimeFigureOut">
               <a:rPr lang="en-US" dirty="0"/>
               <a:pPr/>
-              <a:t>7/2/2020</a:t>
+              <a:t>7/6/2020</a:t>
             </a:fld>
             <a:endParaRPr lang="en-US" dirty="0"/>
           </a:p>
@@ -7427,6 +6377,918 @@
 </p:sld>
 </file>
 
+<file path=ppt/slides/slide8.xml><?xml version="1.0" encoding="utf-8"?>
+<p:sld xmlns:a="http://schemas.openxmlformats.org/drawingml/2006/main" xmlns:r="http://schemas.openxmlformats.org/officeDocument/2006/relationships" xmlns:p="http://schemas.openxmlformats.org/presentationml/2006/main">
+  <p:cSld>
+    <p:spTree>
+      <p:nvGrpSpPr>
+        <p:cNvPr id="1" name=""/>
+        <p:cNvGrpSpPr/>
+        <p:nvPr/>
+      </p:nvGrpSpPr>
+      <p:grpSpPr>
+        <a:xfrm>
+          <a:off x="0" y="0"/>
+          <a:ext cx="0" cy="0"/>
+          <a:chOff x="0" y="0"/>
+          <a:chExt cx="0" cy="0"/>
+        </a:xfrm>
+      </p:grpSpPr>
+      <p:sp>
+        <p:nvSpPr>
+          <p:cNvPr id="2" name="Title 1">
+            <a:extLst>
+              <a:ext uri="{FF2B5EF4-FFF2-40B4-BE49-F238E27FC236}">
+                <a16:creationId xmlns:a16="http://schemas.microsoft.com/office/drawing/2014/main" id="{83591C5B-0AAE-4BF8-9C02-D54CFBA75037}"/>
+              </a:ext>
+            </a:extLst>
+          </p:cNvPr>
+          <p:cNvSpPr>
+            <a:spLocks noGrp="1"/>
+          </p:cNvSpPr>
+          <p:nvPr>
+            <p:ph type="title"/>
+          </p:nvPr>
+        </p:nvSpPr>
+        <p:spPr>
+          <a:xfrm>
+            <a:off x="252919" y="865045"/>
+            <a:ext cx="3134387" cy="4859975"/>
+          </a:xfrm>
+        </p:spPr>
+        <p:txBody>
+          <a:bodyPr/>
+          <a:lstStyle/>
+          <a:p>
+            <a:r>
+              <a:rPr lang="en-US" dirty="0"/>
+              <a:t>Feathers In My Cap</a:t>
+            </a:r>
+          </a:p>
+        </p:txBody>
+      </p:sp>
+      <p:sp>
+        <p:nvSpPr>
+          <p:cNvPr id="3" name="Content Placeholder 2">
+            <a:extLst>
+              <a:ext uri="{FF2B5EF4-FFF2-40B4-BE49-F238E27FC236}">
+                <a16:creationId xmlns:a16="http://schemas.microsoft.com/office/drawing/2014/main" id="{33E702C6-F9ED-442F-9043-282A4F323038}"/>
+              </a:ext>
+            </a:extLst>
+          </p:cNvPr>
+          <p:cNvSpPr>
+            <a:spLocks noGrp="1"/>
+          </p:cNvSpPr>
+          <p:nvPr>
+            <p:ph idx="1"/>
+          </p:nvPr>
+        </p:nvSpPr>
+        <p:spPr>
+          <a:xfrm>
+            <a:off x="3869268" y="864108"/>
+            <a:ext cx="7315200" cy="2317054"/>
+          </a:xfrm>
+        </p:spPr>
+        <p:txBody>
+          <a:bodyPr/>
+          <a:lstStyle/>
+          <a:p>
+            <a:r>
+              <a:rPr lang="en-US" dirty="0"/>
+              <a:t>Developed a tool to create POCO  Classes from any Database.</a:t>
+            </a:r>
+          </a:p>
+          <a:p>
+            <a:r>
+              <a:rPr lang="en-US" dirty="0"/>
+              <a:t>Create a library called "hotkey" for navigation using keyboard for web portal.</a:t>
+            </a:r>
+          </a:p>
+        </p:txBody>
+      </p:sp>
+      <p:pic>
+        <p:nvPicPr>
+          <p:cNvPr id="7" name="Picture 7" descr="A picture containing drawing&#10;&#10;Description automatically generated">
+            <a:extLst>
+              <a:ext uri="{FF2B5EF4-FFF2-40B4-BE49-F238E27FC236}">
+                <a16:creationId xmlns:a16="http://schemas.microsoft.com/office/drawing/2014/main" id="{0458CB41-158C-48BD-B6E7-1C5BE1D4169D}"/>
+              </a:ext>
+            </a:extLst>
+          </p:cNvPr>
+          <p:cNvPicPr>
+            <a:picLocks noChangeAspect="1"/>
+          </p:cNvPicPr>
+          <p:nvPr/>
+        </p:nvPicPr>
+        <p:blipFill>
+          <a:blip r:embed="rId2"/>
+          <a:stretch>
+            <a:fillRect/>
+          </a:stretch>
+        </p:blipFill>
+        <p:spPr>
+          <a:xfrm>
+            <a:off x="4034288" y="499000"/>
+            <a:ext cx="3347048" cy="1029208"/>
+          </a:xfrm>
+          <a:prstGeom prst="rect">
+            <a:avLst/>
+          </a:prstGeom>
+        </p:spPr>
+      </p:pic>
+      <p:sp>
+        <p:nvSpPr>
+          <p:cNvPr id="9" name="Content Placeholder 2">
+            <a:extLst>
+              <a:ext uri="{FF2B5EF4-FFF2-40B4-BE49-F238E27FC236}">
+                <a16:creationId xmlns:a16="http://schemas.microsoft.com/office/drawing/2014/main" id="{7C928905-5273-4B4F-9801-0FF9E48D2455}"/>
+              </a:ext>
+            </a:extLst>
+          </p:cNvPr>
+          <p:cNvSpPr txBox="1">
+            <a:spLocks/>
+          </p:cNvSpPr>
+          <p:nvPr/>
+        </p:nvSpPr>
+        <p:spPr>
+          <a:xfrm>
+            <a:off x="3863517" y="3302508"/>
+            <a:ext cx="7315200" cy="2187658"/>
+          </a:xfrm>
+          <a:prstGeom prst="rect">
+            <a:avLst/>
+          </a:prstGeom>
+        </p:spPr>
+        <p:txBody>
+          <a:bodyPr vert="horz" lIns="91440" tIns="45720" rIns="91440" bIns="45720" rtlCol="0" anchor="ctr">
+            <a:normAutofit/>
+          </a:bodyPr>
+          <a:lstStyle>
+            <a:lvl1pPr marL="182880" indent="-182880" algn="l" defTabSz="914400" rtl="0" eaLnBrk="1" latinLnBrk="0" hangingPunct="1">
+              <a:lnSpc>
+                <a:spcPct val="90000"/>
+              </a:lnSpc>
+              <a:spcBef>
+                <a:spcPts val="1200"/>
+              </a:spcBef>
+              <a:buClr>
+                <a:schemeClr val="accent1"/>
+              </a:buClr>
+              <a:buFont typeface="Wingdings 2" pitchFamily="18" charset="2"/>
+              <a:buChar char=""/>
+              <a:defRPr sz="2000" kern="1200">
+                <a:solidFill>
+                  <a:schemeClr val="tx1">
+                    <a:lumMod val="65000"/>
+                    <a:lumOff val="35000"/>
+                  </a:schemeClr>
+                </a:solidFill>
+                <a:latin typeface="+mn-lt"/>
+                <a:ea typeface="+mn-ea"/>
+                <a:cs typeface="+mn-cs"/>
+              </a:defRPr>
+            </a:lvl1pPr>
+            <a:lvl2pPr marL="685800" indent="-182880" algn="l" defTabSz="914400" rtl="0" eaLnBrk="1" latinLnBrk="0" hangingPunct="1">
+              <a:lnSpc>
+                <a:spcPct val="90000"/>
+              </a:lnSpc>
+              <a:spcBef>
+                <a:spcPts val="250"/>
+              </a:spcBef>
+              <a:spcAft>
+                <a:spcPts val="250"/>
+              </a:spcAft>
+              <a:buClr>
+                <a:schemeClr val="accent1"/>
+              </a:buClr>
+              <a:buFont typeface="Wingdings 2" pitchFamily="18" charset="2"/>
+              <a:buChar char=""/>
+              <a:defRPr sz="1800" kern="1200">
+                <a:solidFill>
+                  <a:schemeClr val="tx1">
+                    <a:lumMod val="65000"/>
+                    <a:lumOff val="35000"/>
+                  </a:schemeClr>
+                </a:solidFill>
+                <a:latin typeface="+mn-lt"/>
+                <a:ea typeface="+mn-ea"/>
+                <a:cs typeface="+mn-cs"/>
+              </a:defRPr>
+            </a:lvl2pPr>
+            <a:lvl3pPr marL="1143000" indent="-182880" algn="l" defTabSz="914400" rtl="0" eaLnBrk="1" latinLnBrk="0" hangingPunct="1">
+              <a:lnSpc>
+                <a:spcPct val="90000"/>
+              </a:lnSpc>
+              <a:spcBef>
+                <a:spcPts val="250"/>
+              </a:spcBef>
+              <a:spcAft>
+                <a:spcPts val="250"/>
+              </a:spcAft>
+              <a:buClr>
+                <a:schemeClr val="accent1"/>
+              </a:buClr>
+              <a:buFont typeface="Wingdings 2" pitchFamily="18" charset="2"/>
+              <a:buChar char=""/>
+              <a:defRPr sz="1600" kern="1200">
+                <a:solidFill>
+                  <a:schemeClr val="tx1">
+                    <a:lumMod val="65000"/>
+                    <a:lumOff val="35000"/>
+                  </a:schemeClr>
+                </a:solidFill>
+                <a:latin typeface="+mn-lt"/>
+                <a:ea typeface="+mn-ea"/>
+                <a:cs typeface="+mn-cs"/>
+              </a:defRPr>
+            </a:lvl3pPr>
+            <a:lvl4pPr marL="1600200" indent="-182880" algn="l" defTabSz="914400" rtl="0" eaLnBrk="1" latinLnBrk="0" hangingPunct="1">
+              <a:lnSpc>
+                <a:spcPct val="90000"/>
+              </a:lnSpc>
+              <a:spcBef>
+                <a:spcPts val="250"/>
+              </a:spcBef>
+              <a:spcAft>
+                <a:spcPts val="250"/>
+              </a:spcAft>
+              <a:buClr>
+                <a:schemeClr val="accent1"/>
+              </a:buClr>
+              <a:buFont typeface="Wingdings 2" pitchFamily="18" charset="2"/>
+              <a:buChar char=""/>
+              <a:defRPr sz="1400" kern="1200">
+                <a:solidFill>
+                  <a:schemeClr val="tx1">
+                    <a:lumMod val="65000"/>
+                    <a:lumOff val="35000"/>
+                  </a:schemeClr>
+                </a:solidFill>
+                <a:latin typeface="+mn-lt"/>
+                <a:ea typeface="+mn-ea"/>
+                <a:cs typeface="+mn-cs"/>
+              </a:defRPr>
+            </a:lvl4pPr>
+            <a:lvl5pPr marL="2057400" indent="-182880" algn="l" defTabSz="914400" rtl="0" eaLnBrk="1" latinLnBrk="0" hangingPunct="1">
+              <a:lnSpc>
+                <a:spcPct val="90000"/>
+              </a:lnSpc>
+              <a:spcBef>
+                <a:spcPts val="250"/>
+              </a:spcBef>
+              <a:spcAft>
+                <a:spcPts val="250"/>
+              </a:spcAft>
+              <a:buClr>
+                <a:schemeClr val="accent1"/>
+              </a:buClr>
+              <a:buFont typeface="Wingdings 2" pitchFamily="18" charset="2"/>
+              <a:buChar char=""/>
+              <a:defRPr sz="1400" kern="1200">
+                <a:solidFill>
+                  <a:schemeClr val="tx1">
+                    <a:lumMod val="65000"/>
+                    <a:lumOff val="35000"/>
+                  </a:schemeClr>
+                </a:solidFill>
+                <a:latin typeface="+mn-lt"/>
+                <a:ea typeface="+mn-ea"/>
+                <a:cs typeface="+mn-cs"/>
+              </a:defRPr>
+            </a:lvl5pPr>
+            <a:lvl6pPr marL="2514600" indent="-228600" algn="l" defTabSz="914400" rtl="0" eaLnBrk="1" latinLnBrk="0" hangingPunct="1">
+              <a:lnSpc>
+                <a:spcPct val="90000"/>
+              </a:lnSpc>
+              <a:spcBef>
+                <a:spcPts val="250"/>
+              </a:spcBef>
+              <a:spcAft>
+                <a:spcPts val="250"/>
+              </a:spcAft>
+              <a:buClr>
+                <a:schemeClr val="accent1"/>
+              </a:buClr>
+              <a:buFont typeface="Wingdings 2" pitchFamily="18" charset="2"/>
+              <a:buChar char=""/>
+              <a:defRPr sz="1400" kern="1200">
+                <a:solidFill>
+                  <a:schemeClr val="tx1">
+                    <a:lumMod val="65000"/>
+                    <a:lumOff val="35000"/>
+                  </a:schemeClr>
+                </a:solidFill>
+                <a:latin typeface="+mn-lt"/>
+                <a:ea typeface="+mn-ea"/>
+                <a:cs typeface="+mn-cs"/>
+              </a:defRPr>
+            </a:lvl6pPr>
+            <a:lvl7pPr marL="2971800" indent="-228600" algn="l" defTabSz="914400" rtl="0" eaLnBrk="1" latinLnBrk="0" hangingPunct="1">
+              <a:lnSpc>
+                <a:spcPct val="90000"/>
+              </a:lnSpc>
+              <a:spcBef>
+                <a:spcPts val="250"/>
+              </a:spcBef>
+              <a:spcAft>
+                <a:spcPts val="250"/>
+              </a:spcAft>
+              <a:buClr>
+                <a:schemeClr val="accent1"/>
+              </a:buClr>
+              <a:buFont typeface="Wingdings 2" pitchFamily="18" charset="2"/>
+              <a:buChar char=""/>
+              <a:defRPr sz="1400" kern="1200">
+                <a:solidFill>
+                  <a:schemeClr val="tx1">
+                    <a:lumMod val="65000"/>
+                    <a:lumOff val="35000"/>
+                  </a:schemeClr>
+                </a:solidFill>
+                <a:latin typeface="+mn-lt"/>
+                <a:ea typeface="+mn-ea"/>
+                <a:cs typeface="+mn-cs"/>
+              </a:defRPr>
+            </a:lvl7pPr>
+            <a:lvl8pPr marL="3429000" indent="-228600" algn="l" defTabSz="914400" rtl="0" eaLnBrk="1" latinLnBrk="0" hangingPunct="1">
+              <a:lnSpc>
+                <a:spcPct val="90000"/>
+              </a:lnSpc>
+              <a:spcBef>
+                <a:spcPts val="250"/>
+              </a:spcBef>
+              <a:spcAft>
+                <a:spcPts val="250"/>
+              </a:spcAft>
+              <a:buClr>
+                <a:schemeClr val="accent1"/>
+              </a:buClr>
+              <a:buFont typeface="Wingdings 2" pitchFamily="18" charset="2"/>
+              <a:buChar char=""/>
+              <a:defRPr sz="1400" kern="1200">
+                <a:solidFill>
+                  <a:schemeClr val="tx1">
+                    <a:lumMod val="65000"/>
+                    <a:lumOff val="35000"/>
+                  </a:schemeClr>
+                </a:solidFill>
+                <a:latin typeface="+mn-lt"/>
+                <a:ea typeface="+mn-ea"/>
+                <a:cs typeface="+mn-cs"/>
+              </a:defRPr>
+            </a:lvl8pPr>
+            <a:lvl9pPr marL="3886200" indent="-228600" algn="l" defTabSz="914400" rtl="0" eaLnBrk="1" latinLnBrk="0" hangingPunct="1">
+              <a:lnSpc>
+                <a:spcPct val="90000"/>
+              </a:lnSpc>
+              <a:spcBef>
+                <a:spcPts val="250"/>
+              </a:spcBef>
+              <a:spcAft>
+                <a:spcPts val="250"/>
+              </a:spcAft>
+              <a:buClr>
+                <a:schemeClr val="accent1"/>
+              </a:buClr>
+              <a:buFont typeface="Wingdings 2" pitchFamily="18" charset="2"/>
+              <a:buChar char=""/>
+              <a:defRPr sz="1400" kern="1200">
+                <a:solidFill>
+                  <a:schemeClr val="tx1">
+                    <a:lumMod val="65000"/>
+                    <a:lumOff val="35000"/>
+                  </a:schemeClr>
+                </a:solidFill>
+                <a:latin typeface="+mn-lt"/>
+                <a:ea typeface="+mn-ea"/>
+                <a:cs typeface="+mn-cs"/>
+              </a:defRPr>
+            </a:lvl9pPr>
+          </a:lstStyle>
+          <a:p>
+            <a:r>
+              <a:rPr lang="en-US" dirty="0"/>
+              <a:t>Used Node </a:t>
+            </a:r>
+            <a:r>
+              <a:rPr lang="en-US" dirty="0" err="1"/>
+              <a:t>webkit</a:t>
+            </a:r>
+            <a:r>
+              <a:rPr lang="en-US" dirty="0"/>
+              <a:t> to minify and transform web app to standalone app for machine ECU.</a:t>
+            </a:r>
+          </a:p>
+          <a:p>
+            <a:r>
+              <a:rPr lang="en-US" dirty="0"/>
+              <a:t>Used Infragistics to create CAT customized installer.</a:t>
+            </a:r>
+          </a:p>
+        </p:txBody>
+      </p:sp>
+      <p:pic>
+        <p:nvPicPr>
+          <p:cNvPr id="11" name="Picture 11" descr="A picture containing drawing&#10;&#10;Description automatically generated">
+            <a:extLst>
+              <a:ext uri="{FF2B5EF4-FFF2-40B4-BE49-F238E27FC236}">
+                <a16:creationId xmlns:a16="http://schemas.microsoft.com/office/drawing/2014/main" id="{16C1159C-EF4E-4B5B-A1FD-ABAE87AD6ECB}"/>
+              </a:ext>
+            </a:extLst>
+          </p:cNvPr>
+          <p:cNvPicPr>
+            <a:picLocks noChangeAspect="1"/>
+          </p:cNvPicPr>
+          <p:nvPr/>
+        </p:nvPicPr>
+        <p:blipFill>
+          <a:blip r:embed="rId3"/>
+          <a:stretch>
+            <a:fillRect/>
+          </a:stretch>
+        </p:blipFill>
+        <p:spPr>
+          <a:xfrm>
+            <a:off x="4206815" y="3002325"/>
+            <a:ext cx="3232030" cy="493918"/>
+          </a:xfrm>
+          <a:prstGeom prst="rect">
+            <a:avLst/>
+          </a:prstGeom>
+        </p:spPr>
+      </p:pic>
+    </p:spTree>
+    <p:extLst>
+      <p:ext uri="{BB962C8B-B14F-4D97-AF65-F5344CB8AC3E}">
+        <p14:creationId xmlns:p14="http://schemas.microsoft.com/office/powerpoint/2010/main" val="3324726223"/>
+      </p:ext>
+    </p:extLst>
+  </p:cSld>
+  <p:clrMapOvr>
+    <a:masterClrMapping/>
+  </p:clrMapOvr>
+</p:sld>
+</file>
+
+<file path=ppt/slides/slide9.xml><?xml version="1.0" encoding="utf-8"?>
+<p:sld xmlns:a="http://schemas.openxmlformats.org/drawingml/2006/main" xmlns:r="http://schemas.openxmlformats.org/officeDocument/2006/relationships" xmlns:p="http://schemas.openxmlformats.org/presentationml/2006/main">
+  <p:cSld>
+    <p:spTree>
+      <p:nvGrpSpPr>
+        <p:cNvPr id="1" name=""/>
+        <p:cNvGrpSpPr/>
+        <p:nvPr/>
+      </p:nvGrpSpPr>
+      <p:grpSpPr>
+        <a:xfrm>
+          <a:off x="0" y="0"/>
+          <a:ext cx="0" cy="0"/>
+          <a:chOff x="0" y="0"/>
+          <a:chExt cx="0" cy="0"/>
+        </a:xfrm>
+      </p:grpSpPr>
+      <p:sp>
+        <p:nvSpPr>
+          <p:cNvPr id="2" name="Title 1">
+            <a:extLst>
+              <a:ext uri="{FF2B5EF4-FFF2-40B4-BE49-F238E27FC236}">
+                <a16:creationId xmlns:a16="http://schemas.microsoft.com/office/drawing/2014/main" id="{83591C5B-0AAE-4BF8-9C02-D54CFBA75037}"/>
+              </a:ext>
+            </a:extLst>
+          </p:cNvPr>
+          <p:cNvSpPr>
+            <a:spLocks noGrp="1"/>
+          </p:cNvSpPr>
+          <p:nvPr>
+            <p:ph type="title"/>
+          </p:nvPr>
+        </p:nvSpPr>
+        <p:spPr>
+          <a:xfrm>
+            <a:off x="252919" y="865045"/>
+            <a:ext cx="3134387" cy="4859975"/>
+          </a:xfrm>
+        </p:spPr>
+        <p:txBody>
+          <a:bodyPr/>
+          <a:lstStyle/>
+          <a:p>
+            <a:r>
+              <a:rPr lang="en-US" dirty="0"/>
+              <a:t>Feathers In My Cap</a:t>
+            </a:r>
+          </a:p>
+        </p:txBody>
+      </p:sp>
+      <p:sp>
+        <p:nvSpPr>
+          <p:cNvPr id="3" name="Content Placeholder 2">
+            <a:extLst>
+              <a:ext uri="{FF2B5EF4-FFF2-40B4-BE49-F238E27FC236}">
+                <a16:creationId xmlns:a16="http://schemas.microsoft.com/office/drawing/2014/main" id="{33E702C6-F9ED-442F-9043-282A4F323038}"/>
+              </a:ext>
+            </a:extLst>
+          </p:cNvPr>
+          <p:cNvSpPr>
+            <a:spLocks noGrp="1"/>
+          </p:cNvSpPr>
+          <p:nvPr>
+            <p:ph idx="1"/>
+          </p:nvPr>
+        </p:nvSpPr>
+        <p:spPr>
+          <a:xfrm>
+            <a:off x="3869268" y="1381691"/>
+            <a:ext cx="7315200" cy="2331433"/>
+          </a:xfrm>
+        </p:spPr>
+        <p:txBody>
+          <a:bodyPr/>
+          <a:lstStyle/>
+          <a:p>
+            <a:r>
+              <a:rPr lang="en-US" dirty="0"/>
+              <a:t>Worked on end to creation of IAAS infra.  configure service fabric and create CI/C pipeline and also create microservice an frontend using Angular app..</a:t>
+            </a:r>
+          </a:p>
+        </p:txBody>
+      </p:sp>
+      <p:sp>
+        <p:nvSpPr>
+          <p:cNvPr id="9" name="Content Placeholder 2">
+            <a:extLst>
+              <a:ext uri="{FF2B5EF4-FFF2-40B4-BE49-F238E27FC236}">
+                <a16:creationId xmlns:a16="http://schemas.microsoft.com/office/drawing/2014/main" id="{7C928905-5273-4B4F-9801-0FF9E48D2455}"/>
+              </a:ext>
+            </a:extLst>
+          </p:cNvPr>
+          <p:cNvSpPr txBox="1">
+            <a:spLocks/>
+          </p:cNvSpPr>
+          <p:nvPr/>
+        </p:nvSpPr>
+        <p:spPr>
+          <a:xfrm>
+            <a:off x="3935404" y="3992621"/>
+            <a:ext cx="7315200" cy="1971998"/>
+          </a:xfrm>
+          <a:prstGeom prst="rect">
+            <a:avLst/>
+          </a:prstGeom>
+        </p:spPr>
+        <p:txBody>
+          <a:bodyPr vert="horz" lIns="91440" tIns="45720" rIns="91440" bIns="45720" rtlCol="0" anchor="ctr">
+            <a:normAutofit fontScale="85000" lnSpcReduction="10000"/>
+          </a:bodyPr>
+          <a:lstStyle>
+            <a:lvl1pPr marL="182880" indent="-182880" algn="l" defTabSz="914400" rtl="0" eaLnBrk="1" latinLnBrk="0" hangingPunct="1">
+              <a:lnSpc>
+                <a:spcPct val="90000"/>
+              </a:lnSpc>
+              <a:spcBef>
+                <a:spcPts val="1200"/>
+              </a:spcBef>
+              <a:buClr>
+                <a:schemeClr val="accent1"/>
+              </a:buClr>
+              <a:buFont typeface="Wingdings 2" pitchFamily="18" charset="2"/>
+              <a:buChar char=""/>
+              <a:defRPr sz="2000" kern="1200">
+                <a:solidFill>
+                  <a:schemeClr val="tx1">
+                    <a:lumMod val="65000"/>
+                    <a:lumOff val="35000"/>
+                  </a:schemeClr>
+                </a:solidFill>
+                <a:latin typeface="+mn-lt"/>
+                <a:ea typeface="+mn-ea"/>
+                <a:cs typeface="+mn-cs"/>
+              </a:defRPr>
+            </a:lvl1pPr>
+            <a:lvl2pPr marL="685800" indent="-182880" algn="l" defTabSz="914400" rtl="0" eaLnBrk="1" latinLnBrk="0" hangingPunct="1">
+              <a:lnSpc>
+                <a:spcPct val="90000"/>
+              </a:lnSpc>
+              <a:spcBef>
+                <a:spcPts val="250"/>
+              </a:spcBef>
+              <a:spcAft>
+                <a:spcPts val="250"/>
+              </a:spcAft>
+              <a:buClr>
+                <a:schemeClr val="accent1"/>
+              </a:buClr>
+              <a:buFont typeface="Wingdings 2" pitchFamily="18" charset="2"/>
+              <a:buChar char=""/>
+              <a:defRPr sz="1800" kern="1200">
+                <a:solidFill>
+                  <a:schemeClr val="tx1">
+                    <a:lumMod val="65000"/>
+                    <a:lumOff val="35000"/>
+                  </a:schemeClr>
+                </a:solidFill>
+                <a:latin typeface="+mn-lt"/>
+                <a:ea typeface="+mn-ea"/>
+                <a:cs typeface="+mn-cs"/>
+              </a:defRPr>
+            </a:lvl2pPr>
+            <a:lvl3pPr marL="1143000" indent="-182880" algn="l" defTabSz="914400" rtl="0" eaLnBrk="1" latinLnBrk="0" hangingPunct="1">
+              <a:lnSpc>
+                <a:spcPct val="90000"/>
+              </a:lnSpc>
+              <a:spcBef>
+                <a:spcPts val="250"/>
+              </a:spcBef>
+              <a:spcAft>
+                <a:spcPts val="250"/>
+              </a:spcAft>
+              <a:buClr>
+                <a:schemeClr val="accent1"/>
+              </a:buClr>
+              <a:buFont typeface="Wingdings 2" pitchFamily="18" charset="2"/>
+              <a:buChar char=""/>
+              <a:defRPr sz="1600" kern="1200">
+                <a:solidFill>
+                  <a:schemeClr val="tx1">
+                    <a:lumMod val="65000"/>
+                    <a:lumOff val="35000"/>
+                  </a:schemeClr>
+                </a:solidFill>
+                <a:latin typeface="+mn-lt"/>
+                <a:ea typeface="+mn-ea"/>
+                <a:cs typeface="+mn-cs"/>
+              </a:defRPr>
+            </a:lvl3pPr>
+            <a:lvl4pPr marL="1600200" indent="-182880" algn="l" defTabSz="914400" rtl="0" eaLnBrk="1" latinLnBrk="0" hangingPunct="1">
+              <a:lnSpc>
+                <a:spcPct val="90000"/>
+              </a:lnSpc>
+              <a:spcBef>
+                <a:spcPts val="250"/>
+              </a:spcBef>
+              <a:spcAft>
+                <a:spcPts val="250"/>
+              </a:spcAft>
+              <a:buClr>
+                <a:schemeClr val="accent1"/>
+              </a:buClr>
+              <a:buFont typeface="Wingdings 2" pitchFamily="18" charset="2"/>
+              <a:buChar char=""/>
+              <a:defRPr sz="1400" kern="1200">
+                <a:solidFill>
+                  <a:schemeClr val="tx1">
+                    <a:lumMod val="65000"/>
+                    <a:lumOff val="35000"/>
+                  </a:schemeClr>
+                </a:solidFill>
+                <a:latin typeface="+mn-lt"/>
+                <a:ea typeface="+mn-ea"/>
+                <a:cs typeface="+mn-cs"/>
+              </a:defRPr>
+            </a:lvl4pPr>
+            <a:lvl5pPr marL="2057400" indent="-182880" algn="l" defTabSz="914400" rtl="0" eaLnBrk="1" latinLnBrk="0" hangingPunct="1">
+              <a:lnSpc>
+                <a:spcPct val="90000"/>
+              </a:lnSpc>
+              <a:spcBef>
+                <a:spcPts val="250"/>
+              </a:spcBef>
+              <a:spcAft>
+                <a:spcPts val="250"/>
+              </a:spcAft>
+              <a:buClr>
+                <a:schemeClr val="accent1"/>
+              </a:buClr>
+              <a:buFont typeface="Wingdings 2" pitchFamily="18" charset="2"/>
+              <a:buChar char=""/>
+              <a:defRPr sz="1400" kern="1200">
+                <a:solidFill>
+                  <a:schemeClr val="tx1">
+                    <a:lumMod val="65000"/>
+                    <a:lumOff val="35000"/>
+                  </a:schemeClr>
+                </a:solidFill>
+                <a:latin typeface="+mn-lt"/>
+                <a:ea typeface="+mn-ea"/>
+                <a:cs typeface="+mn-cs"/>
+              </a:defRPr>
+            </a:lvl5pPr>
+            <a:lvl6pPr marL="2514600" indent="-228600" algn="l" defTabSz="914400" rtl="0" eaLnBrk="1" latinLnBrk="0" hangingPunct="1">
+              <a:lnSpc>
+                <a:spcPct val="90000"/>
+              </a:lnSpc>
+              <a:spcBef>
+                <a:spcPts val="250"/>
+              </a:spcBef>
+              <a:spcAft>
+                <a:spcPts val="250"/>
+              </a:spcAft>
+              <a:buClr>
+                <a:schemeClr val="accent1"/>
+              </a:buClr>
+              <a:buFont typeface="Wingdings 2" pitchFamily="18" charset="2"/>
+              <a:buChar char=""/>
+              <a:defRPr sz="1400" kern="1200">
+                <a:solidFill>
+                  <a:schemeClr val="tx1">
+                    <a:lumMod val="65000"/>
+                    <a:lumOff val="35000"/>
+                  </a:schemeClr>
+                </a:solidFill>
+                <a:latin typeface="+mn-lt"/>
+                <a:ea typeface="+mn-ea"/>
+                <a:cs typeface="+mn-cs"/>
+              </a:defRPr>
+            </a:lvl6pPr>
+            <a:lvl7pPr marL="2971800" indent="-228600" algn="l" defTabSz="914400" rtl="0" eaLnBrk="1" latinLnBrk="0" hangingPunct="1">
+              <a:lnSpc>
+                <a:spcPct val="90000"/>
+              </a:lnSpc>
+              <a:spcBef>
+                <a:spcPts val="250"/>
+              </a:spcBef>
+              <a:spcAft>
+                <a:spcPts val="250"/>
+              </a:spcAft>
+              <a:buClr>
+                <a:schemeClr val="accent1"/>
+              </a:buClr>
+              <a:buFont typeface="Wingdings 2" pitchFamily="18" charset="2"/>
+              <a:buChar char=""/>
+              <a:defRPr sz="1400" kern="1200">
+                <a:solidFill>
+                  <a:schemeClr val="tx1">
+                    <a:lumMod val="65000"/>
+                    <a:lumOff val="35000"/>
+                  </a:schemeClr>
+                </a:solidFill>
+                <a:latin typeface="+mn-lt"/>
+                <a:ea typeface="+mn-ea"/>
+                <a:cs typeface="+mn-cs"/>
+              </a:defRPr>
+            </a:lvl7pPr>
+            <a:lvl8pPr marL="3429000" indent="-228600" algn="l" defTabSz="914400" rtl="0" eaLnBrk="1" latinLnBrk="0" hangingPunct="1">
+              <a:lnSpc>
+                <a:spcPct val="90000"/>
+              </a:lnSpc>
+              <a:spcBef>
+                <a:spcPts val="250"/>
+              </a:spcBef>
+              <a:spcAft>
+                <a:spcPts val="250"/>
+              </a:spcAft>
+              <a:buClr>
+                <a:schemeClr val="accent1"/>
+              </a:buClr>
+              <a:buFont typeface="Wingdings 2" pitchFamily="18" charset="2"/>
+              <a:buChar char=""/>
+              <a:defRPr sz="1400" kern="1200">
+                <a:solidFill>
+                  <a:schemeClr val="tx1">
+                    <a:lumMod val="65000"/>
+                    <a:lumOff val="35000"/>
+                  </a:schemeClr>
+                </a:solidFill>
+                <a:latin typeface="+mn-lt"/>
+                <a:ea typeface="+mn-ea"/>
+                <a:cs typeface="+mn-cs"/>
+              </a:defRPr>
+            </a:lvl8pPr>
+            <a:lvl9pPr marL="3886200" indent="-228600" algn="l" defTabSz="914400" rtl="0" eaLnBrk="1" latinLnBrk="0" hangingPunct="1">
+              <a:lnSpc>
+                <a:spcPct val="90000"/>
+              </a:lnSpc>
+              <a:spcBef>
+                <a:spcPts val="250"/>
+              </a:spcBef>
+              <a:spcAft>
+                <a:spcPts val="250"/>
+              </a:spcAft>
+              <a:buClr>
+                <a:schemeClr val="accent1"/>
+              </a:buClr>
+              <a:buFont typeface="Wingdings 2" pitchFamily="18" charset="2"/>
+              <a:buChar char=""/>
+              <a:defRPr sz="1400" kern="1200">
+                <a:solidFill>
+                  <a:schemeClr val="tx1">
+                    <a:lumMod val="65000"/>
+                    <a:lumOff val="35000"/>
+                  </a:schemeClr>
+                </a:solidFill>
+                <a:latin typeface="+mn-lt"/>
+                <a:ea typeface="+mn-ea"/>
+                <a:cs typeface="+mn-cs"/>
+              </a:defRPr>
+            </a:lvl9pPr>
+          </a:lstStyle>
+          <a:p>
+            <a:r>
+              <a:rPr lang="en-US" dirty="0"/>
+              <a:t>Used R to create dynamic analytic charts and integrated it with scorecards angular app.</a:t>
+            </a:r>
+          </a:p>
+          <a:p>
+            <a:r>
+              <a:rPr lang="en-US" dirty="0"/>
+              <a:t>Used superset for giving users ability to create dashboard.</a:t>
+            </a:r>
+          </a:p>
+          <a:p>
+            <a:r>
+              <a:rPr lang="en-US" dirty="0"/>
+              <a:t>Created performant ETL pipeline using Apache </a:t>
+            </a:r>
+            <a:r>
+              <a:rPr lang="en-US" dirty="0" err="1"/>
+              <a:t>NiFi</a:t>
+            </a:r>
+            <a:r>
+              <a:rPr lang="en-US" dirty="0"/>
+              <a:t> and create plugins for it.</a:t>
+            </a:r>
+          </a:p>
+          <a:p>
+            <a:r>
+              <a:rPr lang="en-US" dirty="0"/>
+              <a:t>Used Terraform  for codify infrastructure and application packaging an deployment. </a:t>
+            </a:r>
+          </a:p>
+        </p:txBody>
+      </p:sp>
+      <p:pic>
+        <p:nvPicPr>
+          <p:cNvPr id="5" name="Picture 5" descr="A picture containing drawing&#10;&#10;Description automatically generated">
+            <a:extLst>
+              <a:ext uri="{FF2B5EF4-FFF2-40B4-BE49-F238E27FC236}">
+                <a16:creationId xmlns:a16="http://schemas.microsoft.com/office/drawing/2014/main" id="{339BDEDE-227C-4D2A-BF39-F0B77C3FA940}"/>
+              </a:ext>
+            </a:extLst>
+          </p:cNvPr>
+          <p:cNvPicPr>
+            <a:picLocks noChangeAspect="1"/>
+          </p:cNvPicPr>
+          <p:nvPr/>
+        </p:nvPicPr>
+        <p:blipFill>
+          <a:blip r:embed="rId2"/>
+          <a:stretch>
+            <a:fillRect/>
+          </a:stretch>
+        </p:blipFill>
+        <p:spPr>
+          <a:xfrm>
+            <a:off x="4048664" y="728803"/>
+            <a:ext cx="3390181" cy="1187829"/>
+          </a:xfrm>
+          <a:prstGeom prst="rect">
+            <a:avLst/>
+          </a:prstGeom>
+        </p:spPr>
+      </p:pic>
+      <p:pic>
+        <p:nvPicPr>
+          <p:cNvPr id="8" name="Picture 9" descr="A picture containing drawing&#10;&#10;Description automatically generated">
+            <a:extLst>
+              <a:ext uri="{FF2B5EF4-FFF2-40B4-BE49-F238E27FC236}">
+                <a16:creationId xmlns:a16="http://schemas.microsoft.com/office/drawing/2014/main" id="{B4BD9409-0C2A-4A65-B0D9-B3981086A971}"/>
+              </a:ext>
+            </a:extLst>
+          </p:cNvPr>
+          <p:cNvPicPr>
+            <a:picLocks noChangeAspect="1"/>
+          </p:cNvPicPr>
+          <p:nvPr/>
+        </p:nvPicPr>
+        <p:blipFill>
+          <a:blip r:embed="rId3"/>
+          <a:stretch>
+            <a:fillRect/>
+          </a:stretch>
+        </p:blipFill>
+        <p:spPr>
+          <a:xfrm>
+            <a:off x="3876136" y="2922342"/>
+            <a:ext cx="2743200" cy="1128336"/>
+          </a:xfrm>
+          <a:prstGeom prst="rect">
+            <a:avLst/>
+          </a:prstGeom>
+        </p:spPr>
+      </p:pic>
+    </p:spTree>
+    <p:extLst>
+      <p:ext uri="{BB962C8B-B14F-4D97-AF65-F5344CB8AC3E}">
+        <p14:creationId xmlns:p14="http://schemas.microsoft.com/office/powerpoint/2010/main" val="3071028811"/>
+      </p:ext>
+    </p:extLst>
+  </p:cSld>
+  <p:clrMapOvr>
+    <a:masterClrMapping/>
+  </p:clrMapOvr>
+</p:sld>
+</file>
+
 <file path=ppt/theme/theme1.xml><?xml version="1.0" encoding="utf-8"?>
 <a:theme xmlns:a="http://schemas.openxmlformats.org/drawingml/2006/main" name="Frame">
   <a:themeElements>
